--- a/Project1 Slide Deck.pptx
+++ b/Project1 Slide Deck.pptx
@@ -5,10 +5,10 @@
     <p:sldMasterId id="2147484104" r:id="rId4"/>
   </p:sldMasterIdLst>
   <p:notesMasterIdLst>
-    <p:notesMasterId r:id="rId17"/>
+    <p:notesMasterId r:id="rId22"/>
   </p:notesMasterIdLst>
   <p:handoutMasterIdLst>
-    <p:handoutMasterId r:id="rId18"/>
+    <p:handoutMasterId r:id="rId23"/>
   </p:handoutMasterIdLst>
   <p:sldIdLst>
     <p:sldId id="388" r:id="rId5"/>
@@ -19,10 +19,15 @@
     <p:sldId id="376" r:id="rId10"/>
     <p:sldId id="387" r:id="rId11"/>
     <p:sldId id="389" r:id="rId12"/>
-    <p:sldId id="384" r:id="rId13"/>
-    <p:sldId id="385" r:id="rId14"/>
-    <p:sldId id="386" r:id="rId15"/>
-    <p:sldId id="382" r:id="rId16"/>
+    <p:sldId id="390" r:id="rId13"/>
+    <p:sldId id="391" r:id="rId14"/>
+    <p:sldId id="392" r:id="rId15"/>
+    <p:sldId id="393" r:id="rId16"/>
+    <p:sldId id="384" r:id="rId17"/>
+    <p:sldId id="385" r:id="rId18"/>
+    <p:sldId id="386" r:id="rId19"/>
+    <p:sldId id="382" r:id="rId20"/>
+    <p:sldId id="394" r:id="rId21"/>
   </p:sldIdLst>
   <p:sldSz cx="12192000" cy="6858000"/>
   <p:notesSz cx="6858000" cy="9144000"/>
@@ -845,6 +850,402 @@
     </p:spTree>
     <p:extLst>
       <p:ext uri="{BB962C8B-B14F-4D97-AF65-F5344CB8AC3E}">
+        <p14:creationId xmlns:p14="http://schemas.microsoft.com/office/powerpoint/2010/main" val="3078428532"/>
+      </p:ext>
+    </p:extLst>
+  </p:cSld>
+  <p:clrMapOvr>
+    <a:masterClrMapping/>
+  </p:clrMapOvr>
+</p:notes>
+</file>
+
+<file path=ppt/notesSlides/notesSlide11.xml><?xml version="1.0" encoding="utf-8"?>
+<p:notes xmlns:a="http://schemas.openxmlformats.org/drawingml/2006/main" xmlns:r="http://schemas.openxmlformats.org/officeDocument/2006/relationships" xmlns:p="http://schemas.openxmlformats.org/presentationml/2006/main">
+  <p:cSld>
+    <p:spTree>
+      <p:nvGrpSpPr>
+        <p:cNvPr id="1" name=""/>
+        <p:cNvGrpSpPr/>
+        <p:nvPr/>
+      </p:nvGrpSpPr>
+      <p:grpSpPr>
+        <a:xfrm>
+          <a:off x="0" y="0"/>
+          <a:ext cx="0" cy="0"/>
+          <a:chOff x="0" y="0"/>
+          <a:chExt cx="0" cy="0"/>
+        </a:xfrm>
+      </p:grpSpPr>
+      <p:sp>
+        <p:nvSpPr>
+          <p:cNvPr id="2" name="Slide Image Placeholder 1"/>
+          <p:cNvSpPr>
+            <a:spLocks noGrp="1" noRot="1" noChangeAspect="1"/>
+          </p:cNvSpPr>
+          <p:nvPr>
+            <p:ph type="sldImg"/>
+          </p:nvPr>
+        </p:nvSpPr>
+        <p:spPr/>
+      </p:sp>
+      <p:sp>
+        <p:nvSpPr>
+          <p:cNvPr id="3" name="Notes Placeholder 2"/>
+          <p:cNvSpPr>
+            <a:spLocks noGrp="1"/>
+          </p:cNvSpPr>
+          <p:nvPr>
+            <p:ph type="body" idx="1"/>
+          </p:nvPr>
+        </p:nvSpPr>
+        <p:spPr/>
+        <p:txBody>
+          <a:bodyPr/>
+          <a:lstStyle/>
+          <a:p>
+            <a:endParaRPr lang="en-US" dirty="0"/>
+          </a:p>
+        </p:txBody>
+      </p:sp>
+      <p:sp>
+        <p:nvSpPr>
+          <p:cNvPr id="4" name="Slide Number Placeholder 3"/>
+          <p:cNvSpPr>
+            <a:spLocks noGrp="1"/>
+          </p:cNvSpPr>
+          <p:nvPr>
+            <p:ph type="sldNum" sz="quarter" idx="5"/>
+          </p:nvPr>
+        </p:nvSpPr>
+        <p:spPr/>
+        <p:txBody>
+          <a:bodyPr/>
+          <a:lstStyle/>
+          <a:p>
+            <a:pPr marL="0" marR="0" lvl="0" indent="0" algn="r" defTabSz="914400" rtl="0" eaLnBrk="1" fontAlgn="auto" latinLnBrk="0" hangingPunct="1">
+              <a:lnSpc>
+                <a:spcPct val="100000"/>
+              </a:lnSpc>
+              <a:spcBef>
+                <a:spcPts val="0"/>
+              </a:spcBef>
+              <a:spcAft>
+                <a:spcPts val="0"/>
+              </a:spcAft>
+              <a:buClrTx/>
+              <a:buSzTx/>
+              <a:buFontTx/>
+              <a:buNone/>
+              <a:tabLst/>
+              <a:defRPr/>
+            </a:pPr>
+            <a:fld id="{DEF75CB5-5666-5049-9AE0-38EFD385C21E}" type="slidenum">
+              <a:rPr kumimoji="0" lang="en-US" sz="1200" b="0" i="0" u="none" strike="noStrike" kern="1200" cap="none" spc="0" normalizeH="0" baseline="0" noProof="0" smtClean="0">
+                <a:ln>
+                  <a:noFill/>
+                </a:ln>
+                <a:solidFill>
+                  <a:prstClr val="black"/>
+                </a:solidFill>
+                <a:effectLst/>
+                <a:uLnTx/>
+                <a:uFillTx/>
+                <a:latin typeface="Calibri" panose="020F0502020204030204"/>
+                <a:ea typeface="+mn-ea"/>
+                <a:cs typeface="+mn-cs"/>
+              </a:rPr>
+              <a:pPr marL="0" marR="0" lvl="0" indent="0" algn="r" defTabSz="914400" rtl="0" eaLnBrk="1" fontAlgn="auto" latinLnBrk="0" hangingPunct="1">
+                <a:lnSpc>
+                  <a:spcPct val="100000"/>
+                </a:lnSpc>
+                <a:spcBef>
+                  <a:spcPts val="0"/>
+                </a:spcBef>
+                <a:spcAft>
+                  <a:spcPts val="0"/>
+                </a:spcAft>
+                <a:buClrTx/>
+                <a:buSzTx/>
+                <a:buFontTx/>
+                <a:buNone/>
+                <a:tabLst/>
+                <a:defRPr/>
+              </a:pPr>
+              <a:t>13</a:t>
+            </a:fld>
+            <a:endParaRPr kumimoji="0" lang="en-US" sz="1200" b="0" i="0" u="none" strike="noStrike" kern="1200" cap="none" spc="0" normalizeH="0" baseline="0" noProof="0" dirty="0">
+              <a:ln>
+                <a:noFill/>
+              </a:ln>
+              <a:solidFill>
+                <a:prstClr val="black"/>
+              </a:solidFill>
+              <a:effectLst/>
+              <a:uLnTx/>
+              <a:uFillTx/>
+              <a:latin typeface="Calibri" panose="020F0502020204030204"/>
+              <a:ea typeface="+mn-ea"/>
+              <a:cs typeface="+mn-cs"/>
+            </a:endParaRPr>
+          </a:p>
+        </p:txBody>
+      </p:sp>
+    </p:spTree>
+    <p:extLst>
+      <p:ext uri="{BB962C8B-B14F-4D97-AF65-F5344CB8AC3E}">
+        <p14:creationId xmlns:p14="http://schemas.microsoft.com/office/powerpoint/2010/main" val="2658416131"/>
+      </p:ext>
+    </p:extLst>
+  </p:cSld>
+  <p:clrMapOvr>
+    <a:masterClrMapping/>
+  </p:clrMapOvr>
+</p:notes>
+</file>
+
+<file path=ppt/notesSlides/notesSlide12.xml><?xml version="1.0" encoding="utf-8"?>
+<p:notes xmlns:a="http://schemas.openxmlformats.org/drawingml/2006/main" xmlns:r="http://schemas.openxmlformats.org/officeDocument/2006/relationships" xmlns:p="http://schemas.openxmlformats.org/presentationml/2006/main">
+  <p:cSld>
+    <p:spTree>
+      <p:nvGrpSpPr>
+        <p:cNvPr id="1" name=""/>
+        <p:cNvGrpSpPr/>
+        <p:nvPr/>
+      </p:nvGrpSpPr>
+      <p:grpSpPr>
+        <a:xfrm>
+          <a:off x="0" y="0"/>
+          <a:ext cx="0" cy="0"/>
+          <a:chOff x="0" y="0"/>
+          <a:chExt cx="0" cy="0"/>
+        </a:xfrm>
+      </p:grpSpPr>
+      <p:sp>
+        <p:nvSpPr>
+          <p:cNvPr id="2" name="Slide Image Placeholder 1"/>
+          <p:cNvSpPr>
+            <a:spLocks noGrp="1" noRot="1" noChangeAspect="1"/>
+          </p:cNvSpPr>
+          <p:nvPr>
+            <p:ph type="sldImg"/>
+          </p:nvPr>
+        </p:nvSpPr>
+        <p:spPr/>
+      </p:sp>
+      <p:sp>
+        <p:nvSpPr>
+          <p:cNvPr id="3" name="Notes Placeholder 2"/>
+          <p:cNvSpPr>
+            <a:spLocks noGrp="1"/>
+          </p:cNvSpPr>
+          <p:nvPr>
+            <p:ph type="body" idx="1"/>
+          </p:nvPr>
+        </p:nvSpPr>
+        <p:spPr/>
+        <p:txBody>
+          <a:bodyPr/>
+          <a:lstStyle/>
+          <a:p>
+            <a:endParaRPr lang="en-US" dirty="0"/>
+          </a:p>
+        </p:txBody>
+      </p:sp>
+      <p:sp>
+        <p:nvSpPr>
+          <p:cNvPr id="4" name="Slide Number Placeholder 3"/>
+          <p:cNvSpPr>
+            <a:spLocks noGrp="1"/>
+          </p:cNvSpPr>
+          <p:nvPr>
+            <p:ph type="sldNum" sz="quarter" idx="5"/>
+          </p:nvPr>
+        </p:nvSpPr>
+        <p:spPr/>
+        <p:txBody>
+          <a:bodyPr/>
+          <a:lstStyle/>
+          <a:p>
+            <a:fld id="{DEF75CB5-5666-5049-9AE0-38EFD385C21E}" type="slidenum">
+              <a:rPr lang="en-US" smtClean="0"/>
+              <a:t>14</a:t>
+            </a:fld>
+            <a:endParaRPr lang="en-US" dirty="0"/>
+          </a:p>
+        </p:txBody>
+      </p:sp>
+    </p:spTree>
+    <p:extLst>
+      <p:ext uri="{BB962C8B-B14F-4D97-AF65-F5344CB8AC3E}">
+        <p14:creationId xmlns:p14="http://schemas.microsoft.com/office/powerpoint/2010/main" val="2704804099"/>
+      </p:ext>
+    </p:extLst>
+  </p:cSld>
+  <p:clrMapOvr>
+    <a:masterClrMapping/>
+  </p:clrMapOvr>
+</p:notes>
+</file>
+
+<file path=ppt/notesSlides/notesSlide13.xml><?xml version="1.0" encoding="utf-8"?>
+<p:notes xmlns:a="http://schemas.openxmlformats.org/drawingml/2006/main" xmlns:r="http://schemas.openxmlformats.org/officeDocument/2006/relationships" xmlns:p="http://schemas.openxmlformats.org/presentationml/2006/main">
+  <p:cSld>
+    <p:spTree>
+      <p:nvGrpSpPr>
+        <p:cNvPr id="1" name=""/>
+        <p:cNvGrpSpPr/>
+        <p:nvPr/>
+      </p:nvGrpSpPr>
+      <p:grpSpPr>
+        <a:xfrm>
+          <a:off x="0" y="0"/>
+          <a:ext cx="0" cy="0"/>
+          <a:chOff x="0" y="0"/>
+          <a:chExt cx="0" cy="0"/>
+        </a:xfrm>
+      </p:grpSpPr>
+      <p:sp>
+        <p:nvSpPr>
+          <p:cNvPr id="2" name="Slide Image Placeholder 1"/>
+          <p:cNvSpPr>
+            <a:spLocks noGrp="1" noRot="1" noChangeAspect="1"/>
+          </p:cNvSpPr>
+          <p:nvPr>
+            <p:ph type="sldImg"/>
+          </p:nvPr>
+        </p:nvSpPr>
+        <p:spPr/>
+      </p:sp>
+      <p:sp>
+        <p:nvSpPr>
+          <p:cNvPr id="3" name="Notes Placeholder 2"/>
+          <p:cNvSpPr>
+            <a:spLocks noGrp="1"/>
+          </p:cNvSpPr>
+          <p:nvPr>
+            <p:ph type="body" idx="1"/>
+          </p:nvPr>
+        </p:nvSpPr>
+        <p:spPr/>
+        <p:txBody>
+          <a:bodyPr/>
+          <a:lstStyle/>
+          <a:p>
+            <a:endParaRPr lang="en-US" dirty="0"/>
+          </a:p>
+        </p:txBody>
+      </p:sp>
+      <p:sp>
+        <p:nvSpPr>
+          <p:cNvPr id="4" name="Slide Number Placeholder 3"/>
+          <p:cNvSpPr>
+            <a:spLocks noGrp="1"/>
+          </p:cNvSpPr>
+          <p:nvPr>
+            <p:ph type="sldNum" sz="quarter" idx="5"/>
+          </p:nvPr>
+        </p:nvSpPr>
+        <p:spPr/>
+        <p:txBody>
+          <a:bodyPr/>
+          <a:lstStyle/>
+          <a:p>
+            <a:fld id="{DEF75CB5-5666-5049-9AE0-38EFD385C21E}" type="slidenum">
+              <a:rPr lang="en-US" smtClean="0"/>
+              <a:t>15</a:t>
+            </a:fld>
+            <a:endParaRPr lang="en-US" dirty="0"/>
+          </a:p>
+        </p:txBody>
+      </p:sp>
+    </p:spTree>
+    <p:extLst>
+      <p:ext uri="{BB962C8B-B14F-4D97-AF65-F5344CB8AC3E}">
+        <p14:creationId xmlns:p14="http://schemas.microsoft.com/office/powerpoint/2010/main" val="3832082579"/>
+      </p:ext>
+    </p:extLst>
+  </p:cSld>
+  <p:clrMapOvr>
+    <a:masterClrMapping/>
+  </p:clrMapOvr>
+</p:notes>
+</file>
+
+<file path=ppt/notesSlides/notesSlide14.xml><?xml version="1.0" encoding="utf-8"?>
+<p:notes xmlns:a="http://schemas.openxmlformats.org/drawingml/2006/main" xmlns:r="http://schemas.openxmlformats.org/officeDocument/2006/relationships" xmlns:p="http://schemas.openxmlformats.org/presentationml/2006/main">
+  <p:cSld>
+    <p:spTree>
+      <p:nvGrpSpPr>
+        <p:cNvPr id="1" name=""/>
+        <p:cNvGrpSpPr/>
+        <p:nvPr/>
+      </p:nvGrpSpPr>
+      <p:grpSpPr>
+        <a:xfrm>
+          <a:off x="0" y="0"/>
+          <a:ext cx="0" cy="0"/>
+          <a:chOff x="0" y="0"/>
+          <a:chExt cx="0" cy="0"/>
+        </a:xfrm>
+      </p:grpSpPr>
+      <p:sp>
+        <p:nvSpPr>
+          <p:cNvPr id="2" name="Slide Image Placeholder 1"/>
+          <p:cNvSpPr>
+            <a:spLocks noGrp="1" noRot="1" noChangeAspect="1"/>
+          </p:cNvSpPr>
+          <p:nvPr>
+            <p:ph type="sldImg"/>
+          </p:nvPr>
+        </p:nvSpPr>
+        <p:spPr/>
+      </p:sp>
+      <p:sp>
+        <p:nvSpPr>
+          <p:cNvPr id="3" name="Notes Placeholder 2"/>
+          <p:cNvSpPr>
+            <a:spLocks noGrp="1"/>
+          </p:cNvSpPr>
+          <p:nvPr>
+            <p:ph type="body" idx="1"/>
+          </p:nvPr>
+        </p:nvSpPr>
+        <p:spPr/>
+        <p:txBody>
+          <a:bodyPr/>
+          <a:lstStyle/>
+          <a:p>
+            <a:endParaRPr lang="en-US" dirty="0"/>
+          </a:p>
+        </p:txBody>
+      </p:sp>
+      <p:sp>
+        <p:nvSpPr>
+          <p:cNvPr id="4" name="Slide Number Placeholder 3"/>
+          <p:cNvSpPr>
+            <a:spLocks noGrp="1"/>
+          </p:cNvSpPr>
+          <p:nvPr>
+            <p:ph type="sldNum" sz="quarter" idx="5"/>
+          </p:nvPr>
+        </p:nvSpPr>
+        <p:spPr/>
+        <p:txBody>
+          <a:bodyPr/>
+          <a:lstStyle/>
+          <a:p>
+            <a:fld id="{DEF75CB5-5666-5049-9AE0-38EFD385C21E}" type="slidenum">
+              <a:rPr lang="en-US" smtClean="0"/>
+              <a:t>16</a:t>
+            </a:fld>
+            <a:endParaRPr lang="en-US" dirty="0"/>
+          </a:p>
+        </p:txBody>
+      </p:sp>
+    </p:spTree>
+    <p:extLst>
+      <p:ext uri="{BB962C8B-B14F-4D97-AF65-F5344CB8AC3E}">
         <p14:creationId xmlns:p14="http://schemas.microsoft.com/office/powerpoint/2010/main" val="2065063983"/>
       </p:ext>
     </p:extLst>
@@ -1649,7 +2050,7 @@
     </p:spTree>
     <p:extLst>
       <p:ext uri="{BB962C8B-B14F-4D97-AF65-F5344CB8AC3E}">
-        <p14:creationId xmlns:p14="http://schemas.microsoft.com/office/powerpoint/2010/main" val="2658416131"/>
+        <p14:creationId xmlns:p14="http://schemas.microsoft.com/office/powerpoint/2010/main" val="2202493494"/>
       </p:ext>
     </p:extLst>
   </p:cSld>
@@ -1733,7 +2134,7 @@
     </p:spTree>
     <p:extLst>
       <p:ext uri="{BB962C8B-B14F-4D97-AF65-F5344CB8AC3E}">
-        <p14:creationId xmlns:p14="http://schemas.microsoft.com/office/powerpoint/2010/main" val="2704804099"/>
+        <p14:creationId xmlns:p14="http://schemas.microsoft.com/office/powerpoint/2010/main" val="3197099404"/>
       </p:ext>
     </p:extLst>
   </p:cSld>
@@ -1817,7 +2218,7 @@
     </p:spTree>
     <p:extLst>
       <p:ext uri="{BB962C8B-B14F-4D97-AF65-F5344CB8AC3E}">
-        <p14:creationId xmlns:p14="http://schemas.microsoft.com/office/powerpoint/2010/main" val="3832082579"/>
+        <p14:creationId xmlns:p14="http://schemas.microsoft.com/office/powerpoint/2010/main" val="460334217"/>
       </p:ext>
     </p:extLst>
   </p:cSld>
@@ -11298,7 +11699,7 @@
                   <a:srgbClr val="FFFFFF"/>
                 </a:solidFill>
               </a:rPr>
-              <a:t>Throughout the Years an Advanced Education has always correlated with an increase in Wages</a:t>
+              <a:t>As the education level increases, the hourly wage increases at a similar rate for men and women.</a:t>
             </a:r>
           </a:p>
         </p:txBody>
@@ -11385,36 +11786,6 @@
           </a:p>
         </p:txBody>
       </p:sp>
-      <p:pic>
-        <p:nvPicPr>
-          <p:cNvPr id="7" name="Picture 6" descr="A graph of growth and progress&#10;&#10;Description automatically generated with medium confidence">
-            <a:extLst>
-              <a:ext uri="{FF2B5EF4-FFF2-40B4-BE49-F238E27FC236}">
-                <a16:creationId xmlns:a16="http://schemas.microsoft.com/office/drawing/2014/main" id="{5368A400-9122-B774-3744-409A2FA836E1}"/>
-              </a:ext>
-            </a:extLst>
-          </p:cNvPr>
-          <p:cNvPicPr>
-            <a:picLocks noChangeAspect="1"/>
-          </p:cNvPicPr>
-          <p:nvPr/>
-        </p:nvPicPr>
-        <p:blipFill>
-          <a:blip r:embed="rId3"/>
-          <a:stretch>
-            <a:fillRect/>
-          </a:stretch>
-        </p:blipFill>
-        <p:spPr>
-          <a:xfrm>
-            <a:off x="752475" y="1779247"/>
-            <a:ext cx="6768219" cy="3299506"/>
-          </a:xfrm>
-          <a:prstGeom prst="rect">
-            <a:avLst/>
-          </a:prstGeom>
-        </p:spPr>
-      </p:pic>
       <p:sp>
         <p:nvSpPr>
           <p:cNvPr id="22" name="Rectangle 21">
@@ -11532,6 +11903,1659 @@
           </a:p>
         </p:txBody>
       </p:sp>
+      <p:pic>
+        <p:nvPicPr>
+          <p:cNvPr id="5" name="Picture 4">
+            <a:extLst>
+              <a:ext uri="{FF2B5EF4-FFF2-40B4-BE49-F238E27FC236}">
+                <a16:creationId xmlns:a16="http://schemas.microsoft.com/office/drawing/2014/main" id="{3F4D0F37-FA09-C8F3-4043-47A1AD55E5B2}"/>
+              </a:ext>
+            </a:extLst>
+          </p:cNvPr>
+          <p:cNvPicPr>
+            <a:picLocks noChangeAspect="1"/>
+          </p:cNvPicPr>
+          <p:nvPr/>
+        </p:nvPicPr>
+        <p:blipFill>
+          <a:blip r:embed="rId3"/>
+          <a:stretch>
+            <a:fillRect/>
+          </a:stretch>
+        </p:blipFill>
+        <p:spPr>
+          <a:xfrm>
+            <a:off x="817654" y="733426"/>
+            <a:ext cx="6565717" cy="5356824"/>
+          </a:xfrm>
+          <a:prstGeom prst="rect">
+            <a:avLst/>
+          </a:prstGeom>
+        </p:spPr>
+      </p:pic>
+    </p:spTree>
+    <p:extLst>
+      <p:ext uri="{BB962C8B-B14F-4D97-AF65-F5344CB8AC3E}">
+        <p14:creationId xmlns:p14="http://schemas.microsoft.com/office/powerpoint/2010/main" val="581428529"/>
+      </p:ext>
+    </p:extLst>
+  </p:cSld>
+  <p:clrMapOvr>
+    <a:overrideClrMapping bg1="lt1" tx1="dk1" bg2="lt2" tx2="dk2" accent1="accent1" accent2="accent2" accent3="accent3" accent4="accent4" accent5="accent5" accent6="accent6" hlink="hlink" folHlink="folHlink"/>
+  </p:clrMapOvr>
+</p:sld>
+</file>
+
+<file path=ppt/slides/slide11.xml><?xml version="1.0" encoding="utf-8"?>
+<p:sld xmlns:a="http://schemas.openxmlformats.org/drawingml/2006/main" xmlns:r="http://schemas.openxmlformats.org/officeDocument/2006/relationships" xmlns:p="http://schemas.openxmlformats.org/presentationml/2006/main">
+  <p:cSld>
+    <p:bg>
+      <p:bgPr>
+        <a:solidFill>
+          <a:schemeClr val="bg1"/>
+        </a:solidFill>
+        <a:effectLst/>
+      </p:bgPr>
+    </p:bg>
+    <p:spTree>
+      <p:nvGrpSpPr>
+        <p:cNvPr id="1" name=""/>
+        <p:cNvGrpSpPr/>
+        <p:nvPr/>
+      </p:nvGrpSpPr>
+      <p:grpSpPr>
+        <a:xfrm>
+          <a:off x="0" y="0"/>
+          <a:ext cx="0" cy="0"/>
+          <a:chOff x="0" y="0"/>
+          <a:chExt cx="0" cy="0"/>
+        </a:xfrm>
+      </p:grpSpPr>
+      <p:sp>
+        <p:nvSpPr>
+          <p:cNvPr id="18" name="Rectangle 17">
+            <a:extLst>
+              <a:ext uri="{FF2B5EF4-FFF2-40B4-BE49-F238E27FC236}">
+                <a16:creationId xmlns:a16="http://schemas.microsoft.com/office/drawing/2014/main" id="{5C821777-3A3B-437E-B5C1-FBC7B0F48C56}"/>
+              </a:ext>
+              <a:ext uri="{C183D7F6-B498-43B3-948B-1728B52AA6E4}">
+                <adec:decorative xmlns:adec="http://schemas.microsoft.com/office/drawing/2017/decorative" val="1"/>
+              </a:ext>
+            </a:extLst>
+          </p:cNvPr>
+          <p:cNvSpPr>
+            <a:spLocks noGrp="1" noRot="1" noChangeAspect="1" noMove="1" noResize="1" noEditPoints="1" noAdjustHandles="1" noChangeArrowheads="1" noChangeShapeType="1" noTextEdit="1"/>
+          </p:cNvSpPr>
+          <p:nvPr>
+            <p:extLst>
+              <p:ext uri="{386F3935-93C4-4BCD-93E2-E3B085C9AB24}">
+                <p16:designElem xmlns:p16="http://schemas.microsoft.com/office/powerpoint/2015/main" val="1"/>
+              </p:ext>
+            </p:extLst>
+          </p:nvPr>
+        </p:nvSpPr>
+        <p:spPr>
+          <a:xfrm>
+            <a:off x="0" y="0"/>
+            <a:ext cx="12192000" cy="6858000"/>
+          </a:xfrm>
+          <a:prstGeom prst="rect">
+            <a:avLst/>
+          </a:prstGeom>
+          <a:ln>
+            <a:noFill/>
+          </a:ln>
+        </p:spPr>
+        <p:style>
+          <a:lnRef idx="2">
+            <a:schemeClr val="accent1">
+              <a:shade val="50000"/>
+            </a:schemeClr>
+          </a:lnRef>
+          <a:fillRef idx="1003">
+            <a:schemeClr val="dk2"/>
+          </a:fillRef>
+          <a:effectRef idx="0">
+            <a:schemeClr val="accent1"/>
+          </a:effectRef>
+          <a:fontRef idx="minor">
+            <a:schemeClr val="lt1"/>
+          </a:fontRef>
+        </p:style>
+        <p:txBody>
+          <a:bodyPr rtlCol="0" anchor="ctr"/>
+          <a:lstStyle/>
+          <a:p>
+            <a:pPr algn="ctr"/>
+            <a:endParaRPr lang="en-US"/>
+          </a:p>
+        </p:txBody>
+      </p:sp>
+      <p:sp>
+        <p:nvSpPr>
+          <p:cNvPr id="3" name="Title 2">
+            <a:extLst>
+              <a:ext uri="{FF2B5EF4-FFF2-40B4-BE49-F238E27FC236}">
+                <a16:creationId xmlns:a16="http://schemas.microsoft.com/office/drawing/2014/main" id="{EEF125C3-99F8-5ABF-1328-0370F112121B}"/>
+              </a:ext>
+            </a:extLst>
+          </p:cNvPr>
+          <p:cNvSpPr>
+            <a:spLocks noGrp="1"/>
+          </p:cNvSpPr>
+          <p:nvPr>
+            <p:ph type="title"/>
+          </p:nvPr>
+        </p:nvSpPr>
+        <p:spPr>
+          <a:xfrm>
+            <a:off x="7820457" y="1243247"/>
+            <a:ext cx="3999635" cy="3495674"/>
+          </a:xfrm>
+        </p:spPr>
+        <p:txBody>
+          <a:bodyPr vert="horz" lIns="91440" tIns="45720" rIns="91440" bIns="45720" rtlCol="0" anchor="b">
+            <a:normAutofit/>
+          </a:bodyPr>
+          <a:lstStyle/>
+          <a:p>
+            <a:pPr algn="ctr"/>
+            <a:r>
+              <a:rPr lang="en-US" sz="2500" dirty="0">
+                <a:solidFill>
+                  <a:srgbClr val="FFFFFF"/>
+                </a:solidFill>
+              </a:rPr>
+              <a:t>Men and women see a similar rate of increase with a high school diploma (1973 -2022)</a:t>
+            </a:r>
+            <a:br>
+              <a:rPr lang="en-US" sz="2500" dirty="0">
+                <a:solidFill>
+                  <a:srgbClr val="FFFFFF"/>
+                </a:solidFill>
+              </a:rPr>
+            </a:br>
+            <a:br>
+              <a:rPr lang="en-US" sz="2500" dirty="0">
+                <a:solidFill>
+                  <a:srgbClr val="FFFFFF"/>
+                </a:solidFill>
+              </a:rPr>
+            </a:br>
+            <a:r>
+              <a:rPr lang="en-US" sz="1800" dirty="0">
+                <a:solidFill>
+                  <a:srgbClr val="FFFFFF"/>
+                </a:solidFill>
+              </a:rPr>
+              <a:t>The p-value = 0.621</a:t>
+            </a:r>
+            <a:br>
+              <a:rPr lang="en-US" sz="1800" dirty="0">
+                <a:solidFill>
+                  <a:srgbClr val="FFFFFF"/>
+                </a:solidFill>
+              </a:rPr>
+            </a:br>
+            <a:r>
+              <a:rPr lang="en-US" sz="1800" dirty="0">
+                <a:solidFill>
+                  <a:srgbClr val="FFFFFF"/>
+                </a:solidFill>
+              </a:rPr>
+              <a:t>Shows no significant difference</a:t>
+            </a:r>
+          </a:p>
+        </p:txBody>
+      </p:sp>
+      <p:sp>
+        <p:nvSpPr>
+          <p:cNvPr id="20" name="Rectangle 19">
+            <a:extLst>
+              <a:ext uri="{FF2B5EF4-FFF2-40B4-BE49-F238E27FC236}">
+                <a16:creationId xmlns:a16="http://schemas.microsoft.com/office/drawing/2014/main" id="{A31AD40C-CE73-4162-8681-421B8AF943A2}"/>
+              </a:ext>
+              <a:ext uri="{C183D7F6-B498-43B3-948B-1728B52AA6E4}">
+                <adec:decorative xmlns:adec="http://schemas.microsoft.com/office/drawing/2017/decorative" val="1"/>
+              </a:ext>
+            </a:extLst>
+          </p:cNvPr>
+          <p:cNvSpPr>
+            <a:spLocks noGrp="1" noRot="1" noChangeAspect="1" noMove="1" noResize="1" noEditPoints="1" noAdjustHandles="1" noChangeArrowheads="1" noChangeShapeType="1" noTextEdit="1"/>
+          </p:cNvSpPr>
+          <p:nvPr>
+            <p:extLst>
+              <p:ext uri="{386F3935-93C4-4BCD-93E2-E3B085C9AB24}">
+                <p16:designElem xmlns:p16="http://schemas.microsoft.com/office/powerpoint/2015/main" val="1"/>
+              </p:ext>
+            </p:extLst>
+          </p:nvPr>
+        </p:nvSpPr>
+        <p:spPr>
+          <a:xfrm>
+            <a:off x="752475" y="733425"/>
+            <a:ext cx="6696075" cy="5391150"/>
+          </a:xfrm>
+          <a:prstGeom prst="rect">
+            <a:avLst/>
+          </a:prstGeom>
+          <a:solidFill>
+            <a:schemeClr val="bg1"/>
+          </a:solidFill>
+          <a:ln w="190500" cap="sq">
+            <a:solidFill>
+              <a:schemeClr val="bg1"/>
+            </a:solidFill>
+            <a:miter lim="800000"/>
+          </a:ln>
+          <a:effectLst>
+            <a:outerShdw blurRad="54991" dist="17780" dir="5400000" algn="ctr" rotWithShape="0">
+              <a:schemeClr val="bg1">
+                <a:alpha val="40000"/>
+              </a:schemeClr>
+            </a:outerShdw>
+          </a:effectLst>
+          <a:scene3d>
+            <a:camera prst="orthographicFront"/>
+            <a:lightRig rig="twoPt" dir="t">
+              <a:rot lat="0" lon="0" rev="7200000"/>
+            </a:lightRig>
+          </a:scene3d>
+          <a:sp3d>
+            <a:bevelT w="25400" h="19050"/>
+          </a:sp3d>
+        </p:spPr>
+        <p:style>
+          <a:lnRef idx="2">
+            <a:schemeClr val="accent1">
+              <a:shade val="50000"/>
+            </a:schemeClr>
+          </a:lnRef>
+          <a:fillRef idx="1">
+            <a:schemeClr val="accent1"/>
+          </a:fillRef>
+          <a:effectRef idx="0">
+            <a:schemeClr val="accent1"/>
+          </a:effectRef>
+          <a:fontRef idx="minor">
+            <a:schemeClr val="lt1"/>
+          </a:fontRef>
+        </p:style>
+        <p:txBody>
+          <a:bodyPr rtlCol="0" anchor="ctr"/>
+          <a:lstStyle/>
+          <a:p>
+            <a:pPr algn="ctr"/>
+            <a:endParaRPr lang="en-US"/>
+          </a:p>
+        </p:txBody>
+      </p:sp>
+      <p:sp>
+        <p:nvSpPr>
+          <p:cNvPr id="22" name="Rectangle 21">
+            <a:extLst>
+              <a:ext uri="{FF2B5EF4-FFF2-40B4-BE49-F238E27FC236}">
+                <a16:creationId xmlns:a16="http://schemas.microsoft.com/office/drawing/2014/main" id="{707A3B9D-B1BA-4989-A535-1A6D8D402CC6}"/>
+              </a:ext>
+              <a:ext uri="{C183D7F6-B498-43B3-948B-1728B52AA6E4}">
+                <adec:decorative xmlns:adec="http://schemas.microsoft.com/office/drawing/2017/decorative" val="1"/>
+              </a:ext>
+            </a:extLst>
+          </p:cNvPr>
+          <p:cNvSpPr>
+            <a:spLocks noGrp="1" noRot="1" noChangeAspect="1" noMove="1" noResize="1" noEditPoints="1" noAdjustHandles="1" noChangeArrowheads="1" noChangeShapeType="1" noTextEdit="1"/>
+          </p:cNvSpPr>
+          <p:nvPr>
+            <p:extLst>
+              <p:ext uri="{386F3935-93C4-4BCD-93E2-E3B085C9AB24}">
+                <p16:designElem xmlns:p16="http://schemas.microsoft.com/office/powerpoint/2015/main" val="1"/>
+              </p:ext>
+            </p:extLst>
+          </p:nvPr>
+        </p:nvSpPr>
+        <p:spPr>
+          <a:xfrm>
+            <a:off x="817654" y="799817"/>
+            <a:ext cx="6565717" cy="5258367"/>
+          </a:xfrm>
+          <a:prstGeom prst="rect">
+            <a:avLst/>
+          </a:prstGeom>
+          <a:noFill/>
+          <a:ln w="12700">
+            <a:solidFill>
+              <a:srgbClr val="2A5B7F"/>
+            </a:solidFill>
+          </a:ln>
+        </p:spPr>
+        <p:style>
+          <a:lnRef idx="2">
+            <a:schemeClr val="accent1">
+              <a:shade val="50000"/>
+            </a:schemeClr>
+          </a:lnRef>
+          <a:fillRef idx="1">
+            <a:schemeClr val="accent1"/>
+          </a:fillRef>
+          <a:effectRef idx="0">
+            <a:schemeClr val="accent1"/>
+          </a:effectRef>
+          <a:fontRef idx="minor">
+            <a:schemeClr val="lt1"/>
+          </a:fontRef>
+        </p:style>
+        <p:txBody>
+          <a:bodyPr rtlCol="0" anchor="ctr"/>
+          <a:lstStyle/>
+          <a:p>
+            <a:pPr algn="ctr"/>
+            <a:endParaRPr lang="en-US"/>
+          </a:p>
+        </p:txBody>
+      </p:sp>
+      <p:sp>
+        <p:nvSpPr>
+          <p:cNvPr id="4" name="Slide Number Placeholder 3">
+            <a:extLst>
+              <a:ext uri="{FF2B5EF4-FFF2-40B4-BE49-F238E27FC236}">
+                <a16:creationId xmlns:a16="http://schemas.microsoft.com/office/drawing/2014/main" id="{48EA189C-8A41-5C63-2470-06541519CBCD}"/>
+              </a:ext>
+            </a:extLst>
+          </p:cNvPr>
+          <p:cNvSpPr>
+            <a:spLocks noGrp="1"/>
+          </p:cNvSpPr>
+          <p:nvPr>
+            <p:ph type="sldNum" sz="quarter" idx="12"/>
+          </p:nvPr>
+        </p:nvSpPr>
+        <p:spPr>
+          <a:xfrm>
+            <a:off x="10514011" y="6309360"/>
+            <a:ext cx="753545" cy="365125"/>
+          </a:xfrm>
+        </p:spPr>
+        <p:txBody>
+          <a:bodyPr vert="horz" lIns="91440" tIns="45720" rIns="91440" bIns="45720" rtlCol="0" anchor="ctr">
+            <a:normAutofit/>
+          </a:bodyPr>
+          <a:lstStyle/>
+          <a:p>
+            <a:pPr defTabSz="914400">
+              <a:spcAft>
+                <a:spcPts val="600"/>
+              </a:spcAft>
+            </a:pPr>
+            <a:fld id="{FE024F78-56A6-7740-B68D-8D4D026EDF3F}" type="slidenum">
+              <a:rPr lang="en-US" sz="1000">
+                <a:solidFill>
+                  <a:srgbClr val="FFFFFF"/>
+                </a:solidFill>
+              </a:rPr>
+              <a:pPr defTabSz="914400">
+                <a:spcAft>
+                  <a:spcPts val="600"/>
+                </a:spcAft>
+              </a:pPr>
+              <a:t>11</a:t>
+            </a:fld>
+            <a:endParaRPr lang="en-US" sz="1000">
+              <a:solidFill>
+                <a:srgbClr val="FFFFFF"/>
+              </a:solidFill>
+            </a:endParaRPr>
+          </a:p>
+        </p:txBody>
+      </p:sp>
+      <p:pic>
+        <p:nvPicPr>
+          <p:cNvPr id="6" name="Picture 5">
+            <a:extLst>
+              <a:ext uri="{FF2B5EF4-FFF2-40B4-BE49-F238E27FC236}">
+                <a16:creationId xmlns:a16="http://schemas.microsoft.com/office/drawing/2014/main" id="{9471751A-D24D-5E31-5E47-DC25BACE1081}"/>
+              </a:ext>
+            </a:extLst>
+          </p:cNvPr>
+          <p:cNvPicPr>
+            <a:picLocks noChangeAspect="1"/>
+          </p:cNvPicPr>
+          <p:nvPr/>
+        </p:nvPicPr>
+        <p:blipFill>
+          <a:blip r:embed="rId3"/>
+          <a:stretch>
+            <a:fillRect/>
+          </a:stretch>
+        </p:blipFill>
+        <p:spPr>
+          <a:xfrm>
+            <a:off x="817654" y="799817"/>
+            <a:ext cx="6218128" cy="5160716"/>
+          </a:xfrm>
+          <a:prstGeom prst="rect">
+            <a:avLst/>
+          </a:prstGeom>
+        </p:spPr>
+      </p:pic>
+    </p:spTree>
+    <p:extLst>
+      <p:ext uri="{BB962C8B-B14F-4D97-AF65-F5344CB8AC3E}">
+        <p14:creationId xmlns:p14="http://schemas.microsoft.com/office/powerpoint/2010/main" val="3320589137"/>
+      </p:ext>
+    </p:extLst>
+  </p:cSld>
+  <p:clrMapOvr>
+    <a:overrideClrMapping bg1="lt1" tx1="dk1" bg2="lt2" tx2="dk2" accent1="accent1" accent2="accent2" accent3="accent3" accent4="accent4" accent5="accent5" accent6="accent6" hlink="hlink" folHlink="folHlink"/>
+  </p:clrMapOvr>
+</p:sld>
+</file>
+
+<file path=ppt/slides/slide12.xml><?xml version="1.0" encoding="utf-8"?>
+<p:sld xmlns:a="http://schemas.openxmlformats.org/drawingml/2006/main" xmlns:r="http://schemas.openxmlformats.org/officeDocument/2006/relationships" xmlns:p="http://schemas.openxmlformats.org/presentationml/2006/main">
+  <p:cSld>
+    <p:bg>
+      <p:bgPr>
+        <a:solidFill>
+          <a:schemeClr val="bg1"/>
+        </a:solidFill>
+        <a:effectLst/>
+      </p:bgPr>
+    </p:bg>
+    <p:spTree>
+      <p:nvGrpSpPr>
+        <p:cNvPr id="1" name=""/>
+        <p:cNvGrpSpPr/>
+        <p:nvPr/>
+      </p:nvGrpSpPr>
+      <p:grpSpPr>
+        <a:xfrm>
+          <a:off x="0" y="0"/>
+          <a:ext cx="0" cy="0"/>
+          <a:chOff x="0" y="0"/>
+          <a:chExt cx="0" cy="0"/>
+        </a:xfrm>
+      </p:grpSpPr>
+      <p:sp>
+        <p:nvSpPr>
+          <p:cNvPr id="18" name="Rectangle 17">
+            <a:extLst>
+              <a:ext uri="{FF2B5EF4-FFF2-40B4-BE49-F238E27FC236}">
+                <a16:creationId xmlns:a16="http://schemas.microsoft.com/office/drawing/2014/main" id="{5C821777-3A3B-437E-B5C1-FBC7B0F48C56}"/>
+              </a:ext>
+              <a:ext uri="{C183D7F6-B498-43B3-948B-1728B52AA6E4}">
+                <adec:decorative xmlns:adec="http://schemas.microsoft.com/office/drawing/2017/decorative" val="1"/>
+              </a:ext>
+            </a:extLst>
+          </p:cNvPr>
+          <p:cNvSpPr>
+            <a:spLocks noGrp="1" noRot="1" noChangeAspect="1" noMove="1" noResize="1" noEditPoints="1" noAdjustHandles="1" noChangeArrowheads="1" noChangeShapeType="1" noTextEdit="1"/>
+          </p:cNvSpPr>
+          <p:nvPr>
+            <p:extLst>
+              <p:ext uri="{386F3935-93C4-4BCD-93E2-E3B085C9AB24}">
+                <p16:designElem xmlns:p16="http://schemas.microsoft.com/office/powerpoint/2015/main" val="1"/>
+              </p:ext>
+            </p:extLst>
+          </p:nvPr>
+        </p:nvSpPr>
+        <p:spPr>
+          <a:xfrm>
+            <a:off x="0" y="0"/>
+            <a:ext cx="12192000" cy="6858000"/>
+          </a:xfrm>
+          <a:prstGeom prst="rect">
+            <a:avLst/>
+          </a:prstGeom>
+          <a:ln>
+            <a:noFill/>
+          </a:ln>
+        </p:spPr>
+        <p:style>
+          <a:lnRef idx="2">
+            <a:schemeClr val="accent1">
+              <a:shade val="50000"/>
+            </a:schemeClr>
+          </a:lnRef>
+          <a:fillRef idx="1003">
+            <a:schemeClr val="dk2"/>
+          </a:fillRef>
+          <a:effectRef idx="0">
+            <a:schemeClr val="accent1"/>
+          </a:effectRef>
+          <a:fontRef idx="minor">
+            <a:schemeClr val="lt1"/>
+          </a:fontRef>
+        </p:style>
+        <p:txBody>
+          <a:bodyPr rtlCol="0" anchor="ctr"/>
+          <a:lstStyle/>
+          <a:p>
+            <a:pPr algn="ctr"/>
+            <a:endParaRPr lang="en-US"/>
+          </a:p>
+        </p:txBody>
+      </p:sp>
+      <p:sp>
+        <p:nvSpPr>
+          <p:cNvPr id="3" name="Title 2">
+            <a:extLst>
+              <a:ext uri="{FF2B5EF4-FFF2-40B4-BE49-F238E27FC236}">
+                <a16:creationId xmlns:a16="http://schemas.microsoft.com/office/drawing/2014/main" id="{EEF125C3-99F8-5ABF-1328-0370F112121B}"/>
+              </a:ext>
+            </a:extLst>
+          </p:cNvPr>
+          <p:cNvSpPr>
+            <a:spLocks noGrp="1"/>
+          </p:cNvSpPr>
+          <p:nvPr>
+            <p:ph type="title"/>
+          </p:nvPr>
+        </p:nvSpPr>
+        <p:spPr>
+          <a:xfrm>
+            <a:off x="7820457" y="1243247"/>
+            <a:ext cx="3999635" cy="3495674"/>
+          </a:xfrm>
+        </p:spPr>
+        <p:txBody>
+          <a:bodyPr vert="horz" lIns="91440" tIns="45720" rIns="91440" bIns="45720" rtlCol="0" anchor="b">
+            <a:normAutofit/>
+          </a:bodyPr>
+          <a:lstStyle/>
+          <a:p>
+            <a:pPr algn="ctr"/>
+            <a:r>
+              <a:rPr lang="en-US" sz="2500" dirty="0">
+                <a:solidFill>
+                  <a:srgbClr val="FFFFFF"/>
+                </a:solidFill>
+              </a:rPr>
+              <a:t>Men and women see a similar rate of increase with a Bachelor Degree (1973 -2022).</a:t>
+            </a:r>
+            <a:br>
+              <a:rPr lang="en-US" sz="2500" dirty="0">
+                <a:solidFill>
+                  <a:srgbClr val="FFFFFF"/>
+                </a:solidFill>
+              </a:rPr>
+            </a:br>
+            <a:br>
+              <a:rPr lang="en-US" sz="2500" dirty="0">
+                <a:solidFill>
+                  <a:srgbClr val="FFFFFF"/>
+                </a:solidFill>
+              </a:rPr>
+            </a:br>
+            <a:r>
+              <a:rPr lang="en-US" sz="1800" dirty="0">
+                <a:solidFill>
+                  <a:srgbClr val="FFFFFF"/>
+                </a:solidFill>
+              </a:rPr>
+              <a:t>The p-value = 0.199</a:t>
+            </a:r>
+            <a:br>
+              <a:rPr lang="en-US" sz="1800" dirty="0">
+                <a:solidFill>
+                  <a:srgbClr val="FFFFFF"/>
+                </a:solidFill>
+              </a:rPr>
+            </a:br>
+            <a:r>
+              <a:rPr lang="en-US" sz="1800" dirty="0">
+                <a:solidFill>
+                  <a:srgbClr val="FFFFFF"/>
+                </a:solidFill>
+              </a:rPr>
+              <a:t>Shows no significant difference</a:t>
+            </a:r>
+          </a:p>
+        </p:txBody>
+      </p:sp>
+      <p:sp>
+        <p:nvSpPr>
+          <p:cNvPr id="20" name="Rectangle 19">
+            <a:extLst>
+              <a:ext uri="{FF2B5EF4-FFF2-40B4-BE49-F238E27FC236}">
+                <a16:creationId xmlns:a16="http://schemas.microsoft.com/office/drawing/2014/main" id="{A31AD40C-CE73-4162-8681-421B8AF943A2}"/>
+              </a:ext>
+              <a:ext uri="{C183D7F6-B498-43B3-948B-1728B52AA6E4}">
+                <adec:decorative xmlns:adec="http://schemas.microsoft.com/office/drawing/2017/decorative" val="1"/>
+              </a:ext>
+            </a:extLst>
+          </p:cNvPr>
+          <p:cNvSpPr>
+            <a:spLocks noGrp="1" noRot="1" noChangeAspect="1" noMove="1" noResize="1" noEditPoints="1" noAdjustHandles="1" noChangeArrowheads="1" noChangeShapeType="1" noTextEdit="1"/>
+          </p:cNvSpPr>
+          <p:nvPr>
+            <p:extLst>
+              <p:ext uri="{386F3935-93C4-4BCD-93E2-E3B085C9AB24}">
+                <p16:designElem xmlns:p16="http://schemas.microsoft.com/office/powerpoint/2015/main" val="1"/>
+              </p:ext>
+            </p:extLst>
+          </p:nvPr>
+        </p:nvSpPr>
+        <p:spPr>
+          <a:xfrm>
+            <a:off x="752475" y="733425"/>
+            <a:ext cx="6696075" cy="5391150"/>
+          </a:xfrm>
+          <a:prstGeom prst="rect">
+            <a:avLst/>
+          </a:prstGeom>
+          <a:solidFill>
+            <a:schemeClr val="bg1"/>
+          </a:solidFill>
+          <a:ln w="190500" cap="sq">
+            <a:solidFill>
+              <a:schemeClr val="bg1"/>
+            </a:solidFill>
+            <a:miter lim="800000"/>
+          </a:ln>
+          <a:effectLst>
+            <a:outerShdw blurRad="54991" dist="17780" dir="5400000" algn="ctr" rotWithShape="0">
+              <a:schemeClr val="bg1">
+                <a:alpha val="40000"/>
+              </a:schemeClr>
+            </a:outerShdw>
+          </a:effectLst>
+          <a:scene3d>
+            <a:camera prst="orthographicFront"/>
+            <a:lightRig rig="twoPt" dir="t">
+              <a:rot lat="0" lon="0" rev="7200000"/>
+            </a:lightRig>
+          </a:scene3d>
+          <a:sp3d>
+            <a:bevelT w="25400" h="19050"/>
+          </a:sp3d>
+        </p:spPr>
+        <p:style>
+          <a:lnRef idx="2">
+            <a:schemeClr val="accent1">
+              <a:shade val="50000"/>
+            </a:schemeClr>
+          </a:lnRef>
+          <a:fillRef idx="1">
+            <a:schemeClr val="accent1"/>
+          </a:fillRef>
+          <a:effectRef idx="0">
+            <a:schemeClr val="accent1"/>
+          </a:effectRef>
+          <a:fontRef idx="minor">
+            <a:schemeClr val="lt1"/>
+          </a:fontRef>
+        </p:style>
+        <p:txBody>
+          <a:bodyPr rtlCol="0" anchor="ctr"/>
+          <a:lstStyle/>
+          <a:p>
+            <a:pPr algn="ctr"/>
+            <a:endParaRPr lang="en-US"/>
+          </a:p>
+        </p:txBody>
+      </p:sp>
+      <p:sp>
+        <p:nvSpPr>
+          <p:cNvPr id="22" name="Rectangle 21">
+            <a:extLst>
+              <a:ext uri="{FF2B5EF4-FFF2-40B4-BE49-F238E27FC236}">
+                <a16:creationId xmlns:a16="http://schemas.microsoft.com/office/drawing/2014/main" id="{707A3B9D-B1BA-4989-A535-1A6D8D402CC6}"/>
+              </a:ext>
+              <a:ext uri="{C183D7F6-B498-43B3-948B-1728B52AA6E4}">
+                <adec:decorative xmlns:adec="http://schemas.microsoft.com/office/drawing/2017/decorative" val="1"/>
+              </a:ext>
+            </a:extLst>
+          </p:cNvPr>
+          <p:cNvSpPr>
+            <a:spLocks noGrp="1" noRot="1" noChangeAspect="1" noMove="1" noResize="1" noEditPoints="1" noAdjustHandles="1" noChangeArrowheads="1" noChangeShapeType="1" noTextEdit="1"/>
+          </p:cNvSpPr>
+          <p:nvPr>
+            <p:extLst>
+              <p:ext uri="{386F3935-93C4-4BCD-93E2-E3B085C9AB24}">
+                <p16:designElem xmlns:p16="http://schemas.microsoft.com/office/powerpoint/2015/main" val="1"/>
+              </p:ext>
+            </p:extLst>
+          </p:nvPr>
+        </p:nvSpPr>
+        <p:spPr>
+          <a:xfrm>
+            <a:off x="817654" y="799817"/>
+            <a:ext cx="6565717" cy="5258367"/>
+          </a:xfrm>
+          <a:prstGeom prst="rect">
+            <a:avLst/>
+          </a:prstGeom>
+          <a:noFill/>
+          <a:ln w="12700">
+            <a:solidFill>
+              <a:srgbClr val="2A5B7F"/>
+            </a:solidFill>
+          </a:ln>
+        </p:spPr>
+        <p:style>
+          <a:lnRef idx="2">
+            <a:schemeClr val="accent1">
+              <a:shade val="50000"/>
+            </a:schemeClr>
+          </a:lnRef>
+          <a:fillRef idx="1">
+            <a:schemeClr val="accent1"/>
+          </a:fillRef>
+          <a:effectRef idx="0">
+            <a:schemeClr val="accent1"/>
+          </a:effectRef>
+          <a:fontRef idx="minor">
+            <a:schemeClr val="lt1"/>
+          </a:fontRef>
+        </p:style>
+        <p:txBody>
+          <a:bodyPr rtlCol="0" anchor="ctr"/>
+          <a:lstStyle/>
+          <a:p>
+            <a:pPr algn="ctr"/>
+            <a:endParaRPr lang="en-US"/>
+          </a:p>
+        </p:txBody>
+      </p:sp>
+      <p:sp>
+        <p:nvSpPr>
+          <p:cNvPr id="4" name="Slide Number Placeholder 3">
+            <a:extLst>
+              <a:ext uri="{FF2B5EF4-FFF2-40B4-BE49-F238E27FC236}">
+                <a16:creationId xmlns:a16="http://schemas.microsoft.com/office/drawing/2014/main" id="{48EA189C-8A41-5C63-2470-06541519CBCD}"/>
+              </a:ext>
+            </a:extLst>
+          </p:cNvPr>
+          <p:cNvSpPr>
+            <a:spLocks noGrp="1"/>
+          </p:cNvSpPr>
+          <p:nvPr>
+            <p:ph type="sldNum" sz="quarter" idx="12"/>
+          </p:nvPr>
+        </p:nvSpPr>
+        <p:spPr>
+          <a:xfrm>
+            <a:off x="10514011" y="6309360"/>
+            <a:ext cx="753545" cy="365125"/>
+          </a:xfrm>
+        </p:spPr>
+        <p:txBody>
+          <a:bodyPr vert="horz" lIns="91440" tIns="45720" rIns="91440" bIns="45720" rtlCol="0" anchor="ctr">
+            <a:normAutofit/>
+          </a:bodyPr>
+          <a:lstStyle/>
+          <a:p>
+            <a:pPr defTabSz="914400">
+              <a:spcAft>
+                <a:spcPts val="600"/>
+              </a:spcAft>
+            </a:pPr>
+            <a:fld id="{FE024F78-56A6-7740-B68D-8D4D026EDF3F}" type="slidenum">
+              <a:rPr lang="en-US" sz="1000">
+                <a:solidFill>
+                  <a:srgbClr val="FFFFFF"/>
+                </a:solidFill>
+              </a:rPr>
+              <a:pPr defTabSz="914400">
+                <a:spcAft>
+                  <a:spcPts val="600"/>
+                </a:spcAft>
+              </a:pPr>
+              <a:t>12</a:t>
+            </a:fld>
+            <a:endParaRPr lang="en-US" sz="1000">
+              <a:solidFill>
+                <a:srgbClr val="FFFFFF"/>
+              </a:solidFill>
+            </a:endParaRPr>
+          </a:p>
+        </p:txBody>
+      </p:sp>
+      <p:pic>
+        <p:nvPicPr>
+          <p:cNvPr id="5" name="Picture 4">
+            <a:extLst>
+              <a:ext uri="{FF2B5EF4-FFF2-40B4-BE49-F238E27FC236}">
+                <a16:creationId xmlns:a16="http://schemas.microsoft.com/office/drawing/2014/main" id="{D7F3E36C-25F8-CF9C-3039-DA46FFC00312}"/>
+              </a:ext>
+            </a:extLst>
+          </p:cNvPr>
+          <p:cNvPicPr>
+            <a:picLocks noChangeAspect="1"/>
+          </p:cNvPicPr>
+          <p:nvPr/>
+        </p:nvPicPr>
+        <p:blipFill>
+          <a:blip r:embed="rId3"/>
+          <a:stretch>
+            <a:fillRect/>
+          </a:stretch>
+        </p:blipFill>
+        <p:spPr>
+          <a:xfrm>
+            <a:off x="918105" y="799816"/>
+            <a:ext cx="6329362" cy="5258367"/>
+          </a:xfrm>
+          <a:prstGeom prst="rect">
+            <a:avLst/>
+          </a:prstGeom>
+        </p:spPr>
+      </p:pic>
+    </p:spTree>
+    <p:extLst>
+      <p:ext uri="{BB962C8B-B14F-4D97-AF65-F5344CB8AC3E}">
+        <p14:creationId xmlns:p14="http://schemas.microsoft.com/office/powerpoint/2010/main" val="816428570"/>
+      </p:ext>
+    </p:extLst>
+  </p:cSld>
+  <p:clrMapOvr>
+    <a:overrideClrMapping bg1="lt1" tx1="dk1" bg2="lt2" tx2="dk2" accent1="accent1" accent2="accent2" accent3="accent3" accent4="accent4" accent5="accent5" accent6="accent6" hlink="hlink" folHlink="folHlink"/>
+  </p:clrMapOvr>
+</p:sld>
+</file>
+
+<file path=ppt/slides/slide13.xml><?xml version="1.0" encoding="utf-8"?>
+<p:sld xmlns:a="http://schemas.openxmlformats.org/drawingml/2006/main" xmlns:r="http://schemas.openxmlformats.org/officeDocument/2006/relationships" xmlns:p="http://schemas.openxmlformats.org/presentationml/2006/main">
+  <p:cSld>
+    <p:bg>
+      <p:bgPr>
+        <a:blipFill rotWithShape="1">
+          <a:blip r:embed="rId3">
+            <a:duotone>
+              <a:schemeClr val="bg2">
+                <a:shade val="18000"/>
+                <a:satMod val="160000"/>
+                <a:lumMod val="28000"/>
+              </a:schemeClr>
+              <a:schemeClr val="bg2">
+                <a:tint val="95000"/>
+                <a:satMod val="160000"/>
+                <a:lumMod val="116000"/>
+              </a:schemeClr>
+            </a:duotone>
+          </a:blip>
+          <a:stretch/>
+        </a:blipFill>
+        <a:effectLst/>
+      </p:bgPr>
+    </p:bg>
+    <p:spTree>
+      <p:nvGrpSpPr>
+        <p:cNvPr id="1" name=""/>
+        <p:cNvGrpSpPr/>
+        <p:nvPr/>
+      </p:nvGrpSpPr>
+      <p:grpSpPr>
+        <a:xfrm>
+          <a:off x="0" y="0"/>
+          <a:ext cx="0" cy="0"/>
+          <a:chOff x="0" y="0"/>
+          <a:chExt cx="0" cy="0"/>
+        </a:xfrm>
+      </p:grpSpPr>
+      <p:sp useBgFill="1">
+        <p:nvSpPr>
+          <p:cNvPr id="11" name="Rectangle 10">
+            <a:extLst>
+              <a:ext uri="{FF2B5EF4-FFF2-40B4-BE49-F238E27FC236}">
+                <a16:creationId xmlns:a16="http://schemas.microsoft.com/office/drawing/2014/main" id="{46DBB1A9-22FF-46E7-97B9-AE54774753DD}"/>
+              </a:ext>
+              <a:ext uri="{C183D7F6-B498-43B3-948B-1728B52AA6E4}">
+                <adec:decorative xmlns:adec="http://schemas.microsoft.com/office/drawing/2017/decorative" val="1"/>
+              </a:ext>
+            </a:extLst>
+          </p:cNvPr>
+          <p:cNvSpPr>
+            <a:spLocks noGrp="1" noRot="1" noChangeAspect="1" noMove="1" noResize="1" noEditPoints="1" noAdjustHandles="1" noChangeArrowheads="1" noChangeShapeType="1" noTextEdit="1"/>
+          </p:cNvSpPr>
+          <p:nvPr>
+            <p:extLst>
+              <p:ext uri="{386F3935-93C4-4BCD-93E2-E3B085C9AB24}">
+                <p16:designElem xmlns:p16="http://schemas.microsoft.com/office/powerpoint/2015/main" val="1"/>
+              </p:ext>
+            </p:extLst>
+          </p:nvPr>
+        </p:nvSpPr>
+        <p:spPr>
+          <a:xfrm>
+            <a:off x="0" y="0"/>
+            <a:ext cx="12192000" cy="6858000"/>
+          </a:xfrm>
+          <a:prstGeom prst="rect">
+            <a:avLst/>
+          </a:prstGeom>
+          <a:ln>
+            <a:noFill/>
+          </a:ln>
+        </p:spPr>
+        <p:style>
+          <a:lnRef idx="2">
+            <a:schemeClr val="accent1">
+              <a:shade val="50000"/>
+            </a:schemeClr>
+          </a:lnRef>
+          <a:fillRef idx="1">
+            <a:schemeClr val="accent1"/>
+          </a:fillRef>
+          <a:effectRef idx="0">
+            <a:schemeClr val="accent1"/>
+          </a:effectRef>
+          <a:fontRef idx="minor">
+            <a:schemeClr val="lt1"/>
+          </a:fontRef>
+        </p:style>
+        <p:txBody>
+          <a:bodyPr rtlCol="0" anchor="ctr"/>
+          <a:lstStyle/>
+          <a:p>
+            <a:pPr algn="ctr"/>
+            <a:endParaRPr lang="en-US"/>
+          </a:p>
+        </p:txBody>
+      </p:sp>
+      <p:sp>
+        <p:nvSpPr>
+          <p:cNvPr id="9" name="Title 1">
+            <a:extLst>
+              <a:ext uri="{FF2B5EF4-FFF2-40B4-BE49-F238E27FC236}">
+                <a16:creationId xmlns:a16="http://schemas.microsoft.com/office/drawing/2014/main" id="{0FD6A3FE-1BF6-4C1A-0553-EBD497A69F2D}"/>
+              </a:ext>
+            </a:extLst>
+          </p:cNvPr>
+          <p:cNvSpPr>
+            <a:spLocks noGrp="1"/>
+          </p:cNvSpPr>
+          <p:nvPr>
+            <p:ph type="title"/>
+          </p:nvPr>
+        </p:nvSpPr>
+        <p:spPr>
+          <a:xfrm>
+            <a:off x="1282703" y="1289888"/>
+            <a:ext cx="5854698" cy="4278224"/>
+          </a:xfrm>
+        </p:spPr>
+        <p:txBody>
+          <a:bodyPr vert="horz" lIns="91440" tIns="45720" rIns="91440" bIns="45720" rtlCol="0" anchor="ctr">
+            <a:normAutofit/>
+          </a:bodyPr>
+          <a:lstStyle/>
+          <a:p>
+            <a:pPr marL="514350" algn="r">
+              <a:spcAft>
+                <a:spcPts val="0"/>
+              </a:spcAft>
+            </a:pPr>
+            <a:r>
+              <a:rPr lang="en-US" sz="3000">
+                <a:solidFill>
+                  <a:schemeClr val="tx1"/>
+                </a:solidFill>
+              </a:rPr>
+              <a:t>In the last 5 years, for those with an Advanced Degree, is there a difference between the groups based on race?</a:t>
+            </a:r>
+          </a:p>
+        </p:txBody>
+      </p:sp>
+      <p:sp>
+        <p:nvSpPr>
+          <p:cNvPr id="6" name="Subtitle 5">
+            <a:extLst>
+              <a:ext uri="{FF2B5EF4-FFF2-40B4-BE49-F238E27FC236}">
+                <a16:creationId xmlns:a16="http://schemas.microsoft.com/office/drawing/2014/main" id="{C15774B0-D971-67D7-27EB-FDB82B3A58CD}"/>
+              </a:ext>
+            </a:extLst>
+          </p:cNvPr>
+          <p:cNvSpPr>
+            <a:spLocks noGrp="1"/>
+          </p:cNvSpPr>
+          <p:nvPr>
+            <p:ph type="subTitle" idx="1"/>
+          </p:nvPr>
+        </p:nvSpPr>
+        <p:spPr>
+          <a:xfrm>
+            <a:off x="7918221" y="1289889"/>
+            <a:ext cx="2989891" cy="4278223"/>
+          </a:xfrm>
+        </p:spPr>
+        <p:txBody>
+          <a:bodyPr vert="horz" lIns="91440" tIns="45720" rIns="91440" bIns="45720" rtlCol="0" anchor="ctr">
+            <a:normAutofit/>
+          </a:bodyPr>
+          <a:lstStyle/>
+          <a:p>
+            <a:pPr algn="l"/>
+            <a:r>
+              <a:rPr lang="en-US" sz="2400">
+                <a:solidFill>
+                  <a:schemeClr val="tx1"/>
+                </a:solidFill>
+                <a:latin typeface="+mn-lt"/>
+                <a:cs typeface="+mn-cs"/>
+              </a:rPr>
+              <a:t>Question 3</a:t>
+            </a:r>
+          </a:p>
+        </p:txBody>
+      </p:sp>
+      <p:cxnSp>
+        <p:nvCxnSpPr>
+          <p:cNvPr id="12" name="Straight Connector 11">
+            <a:extLst>
+              <a:ext uri="{FF2B5EF4-FFF2-40B4-BE49-F238E27FC236}">
+                <a16:creationId xmlns:a16="http://schemas.microsoft.com/office/drawing/2014/main" id="{3A1AAD47-56AD-4EE6-A88C-981D060DC2D6}"/>
+              </a:ext>
+              <a:ext uri="{C183D7F6-B498-43B3-948B-1728B52AA6E4}">
+                <adec:decorative xmlns:adec="http://schemas.microsoft.com/office/drawing/2017/decorative" val="1"/>
+              </a:ext>
+            </a:extLst>
+          </p:cNvPr>
+          <p:cNvCxnSpPr>
+            <a:cxnSpLocks noGrp="1" noRot="1" noChangeAspect="1" noMove="1" noResize="1" noEditPoints="1" noAdjustHandles="1" noChangeArrowheads="1" noChangeShapeType="1"/>
+          </p:cNvCxnSpPr>
+          <p:nvPr>
+            <p:extLst>
+              <p:ext uri="{386F3935-93C4-4BCD-93E2-E3B085C9AB24}">
+                <p16:designElem xmlns:p16="http://schemas.microsoft.com/office/powerpoint/2015/main" val="1"/>
+              </p:ext>
+            </p:extLst>
+          </p:nvPr>
+        </p:nvCxnSpPr>
+        <p:spPr>
+          <a:xfrm>
+            <a:off x="7527811" y="2473325"/>
+            <a:ext cx="0" cy="1911350"/>
+          </a:xfrm>
+          <a:prstGeom prst="line">
+            <a:avLst/>
+          </a:prstGeom>
+          <a:ln>
+            <a:solidFill>
+              <a:schemeClr val="tx2"/>
+            </a:solidFill>
+          </a:ln>
+        </p:spPr>
+        <p:style>
+          <a:lnRef idx="1">
+            <a:schemeClr val="accent1"/>
+          </a:lnRef>
+          <a:fillRef idx="0">
+            <a:schemeClr val="accent1"/>
+          </a:fillRef>
+          <a:effectRef idx="0">
+            <a:schemeClr val="accent1"/>
+          </a:effectRef>
+          <a:fontRef idx="minor">
+            <a:schemeClr val="tx1"/>
+          </a:fontRef>
+        </p:style>
+      </p:cxnSp>
+      <p:sp>
+        <p:nvSpPr>
+          <p:cNvPr id="3" name="Rectangle 2" hidden="1">
+            <a:extLst>
+              <a:ext uri="{FF2B5EF4-FFF2-40B4-BE49-F238E27FC236}">
+                <a16:creationId xmlns:a16="http://schemas.microsoft.com/office/drawing/2014/main" id="{8692FC88-DAD7-F5AD-7831-DE54322108F6}"/>
+              </a:ext>
+              <a:ext uri="{C183D7F6-B498-43B3-948B-1728B52AA6E4}">
+                <adec:decorative xmlns:adec="http://schemas.microsoft.com/office/drawing/2017/decorative" val="1"/>
+              </a:ext>
+            </a:extLst>
+          </p:cNvPr>
+          <p:cNvSpPr/>
+          <p:nvPr/>
+        </p:nvSpPr>
+        <p:spPr>
+          <a:xfrm>
+            <a:off x="1" y="2"/>
+            <a:ext cx="12227942" cy="6857997"/>
+          </a:xfrm>
+          <a:prstGeom prst="rect">
+            <a:avLst/>
+          </a:prstGeom>
+          <a:solidFill>
+            <a:schemeClr val="tx1">
+              <a:alpha val="70000"/>
+            </a:schemeClr>
+          </a:solidFill>
+          <a:ln>
+            <a:noFill/>
+          </a:ln>
+        </p:spPr>
+        <p:style>
+          <a:lnRef idx="2">
+            <a:schemeClr val="accent1">
+              <a:shade val="50000"/>
+            </a:schemeClr>
+          </a:lnRef>
+          <a:fillRef idx="1">
+            <a:schemeClr val="accent1"/>
+          </a:fillRef>
+          <a:effectRef idx="0">
+            <a:schemeClr val="accent1"/>
+          </a:effectRef>
+          <a:fontRef idx="minor">
+            <a:schemeClr val="lt1"/>
+          </a:fontRef>
+        </p:style>
+        <p:txBody>
+          <a:bodyPr rtlCol="0" anchor="ctr">
+            <a:noAutofit/>
+          </a:bodyPr>
+          <a:lstStyle/>
+          <a:p>
+            <a:pPr algn="ctr"/>
+            <a:endParaRPr lang="en-US" dirty="0"/>
+          </a:p>
+        </p:txBody>
+      </p:sp>
+    </p:spTree>
+    <p:extLst>
+      <p:ext uri="{BB962C8B-B14F-4D97-AF65-F5344CB8AC3E}">
+        <p14:creationId xmlns:p14="http://schemas.microsoft.com/office/powerpoint/2010/main" val="349162578"/>
+      </p:ext>
+    </p:extLst>
+  </p:cSld>
+  <p:clrMapOvr>
+    <a:masterClrMapping/>
+  </p:clrMapOvr>
+  <p:timing>
+    <p:tnLst>
+      <p:par>
+        <p:cTn id="1" dur="indefinite" restart="never" nodeType="tmRoot">
+          <p:childTnLst>
+            <p:seq concurrent="1" nextAc="seek">
+              <p:cTn id="2" dur="indefinite" nodeType="mainSeq">
+                <p:childTnLst>
+                  <p:par>
+                    <p:cTn id="3" fill="hold">
+                      <p:stCondLst>
+                        <p:cond delay="indefinite"/>
+                        <p:cond evt="onBegin" delay="0">
+                          <p:tn val="2"/>
+                        </p:cond>
+                      </p:stCondLst>
+                      <p:childTnLst>
+                        <p:par>
+                          <p:cTn id="4" fill="hold">
+                            <p:stCondLst>
+                              <p:cond delay="0"/>
+                            </p:stCondLst>
+                            <p:childTnLst>
+                              <p:par>
+                                <p:cTn id="5" presetID="10" presetClass="entr" presetSubtype="0" fill="hold" grpId="0" nodeType="withEffect">
+                                  <p:stCondLst>
+                                    <p:cond delay="500"/>
+                                  </p:stCondLst>
+                                  <p:iterate type="lt">
+                                    <p:tmPct val="10000"/>
+                                  </p:iterate>
+                                  <p:childTnLst>
+                                    <p:set>
+                                      <p:cBhvr>
+                                        <p:cTn id="6" dur="1" fill="hold">
+                                          <p:stCondLst>
+                                            <p:cond delay="0"/>
+                                          </p:stCondLst>
+                                        </p:cTn>
+                                        <p:tgtEl>
+                                          <p:spTgt spid="9"/>
+                                        </p:tgtEl>
+                                        <p:attrNameLst>
+                                          <p:attrName>style.visibility</p:attrName>
+                                        </p:attrNameLst>
+                                      </p:cBhvr>
+                                      <p:to>
+                                        <p:strVal val="visible"/>
+                                      </p:to>
+                                    </p:set>
+                                    <p:animEffect transition="in" filter="fade">
+                                      <p:cBhvr>
+                                        <p:cTn id="7" dur="400"/>
+                                        <p:tgtEl>
+                                          <p:spTgt spid="9"/>
+                                        </p:tgtEl>
+                                      </p:cBhvr>
+                                    </p:animEffect>
+                                  </p:childTnLst>
+                                </p:cTn>
+                              </p:par>
+                              <p:par>
+                                <p:cTn id="8" presetID="10" presetClass="entr" presetSubtype="0" fill="hold" grpId="0" nodeType="withEffect">
+                                  <p:stCondLst>
+                                    <p:cond delay="2000"/>
+                                  </p:stCondLst>
+                                  <p:iterate type="lt">
+                                    <p:tmPct val="10000"/>
+                                  </p:iterate>
+                                  <p:childTnLst>
+                                    <p:set>
+                                      <p:cBhvr>
+                                        <p:cTn id="9" dur="1" fill="hold">
+                                          <p:stCondLst>
+                                            <p:cond delay="0"/>
+                                          </p:stCondLst>
+                                        </p:cTn>
+                                        <p:tgtEl>
+                                          <p:spTgt spid="6">
+                                            <p:txEl>
+                                              <p:pRg st="0" end="0"/>
+                                            </p:txEl>
+                                          </p:spTgt>
+                                        </p:tgtEl>
+                                        <p:attrNameLst>
+                                          <p:attrName>style.visibility</p:attrName>
+                                        </p:attrNameLst>
+                                      </p:cBhvr>
+                                      <p:to>
+                                        <p:strVal val="visible"/>
+                                      </p:to>
+                                    </p:set>
+                                    <p:animEffect transition="in" filter="fade">
+                                      <p:cBhvr>
+                                        <p:cTn id="10" dur="400"/>
+                                        <p:tgtEl>
+                                          <p:spTgt spid="6">
+                                            <p:txEl>
+                                              <p:pRg st="0" end="0"/>
+                                            </p:txEl>
+                                          </p:spTgt>
+                                        </p:tgtEl>
+                                      </p:cBhvr>
+                                    </p:animEffect>
+                                  </p:childTnLst>
+                                </p:cTn>
+                              </p:par>
+                            </p:childTnLst>
+                          </p:cTn>
+                        </p:par>
+                      </p:childTnLst>
+                    </p:cTn>
+                  </p:par>
+                </p:childTnLst>
+              </p:cTn>
+              <p:prevCondLst>
+                <p:cond evt="onPrev" delay="0">
+                  <p:tgtEl>
+                    <p:sldTgt/>
+                  </p:tgtEl>
+                </p:cond>
+              </p:prevCondLst>
+              <p:nextCondLst>
+                <p:cond evt="onNext" delay="0">
+                  <p:tgtEl>
+                    <p:sldTgt/>
+                  </p:tgtEl>
+                </p:cond>
+              </p:nextCondLst>
+            </p:seq>
+          </p:childTnLst>
+        </p:cTn>
+      </p:par>
+    </p:tnLst>
+    <p:bldLst>
+      <p:bldP spid="9" grpId="0"/>
+      <p:bldP spid="6" grpId="0" build="p"/>
+    </p:bldLst>
+  </p:timing>
+</p:sld>
+</file>
+
+<file path=ppt/slides/slide14.xml><?xml version="1.0" encoding="utf-8"?>
+<p:sld xmlns:a="http://schemas.openxmlformats.org/drawingml/2006/main" xmlns:r="http://schemas.openxmlformats.org/officeDocument/2006/relationships" xmlns:p="http://schemas.openxmlformats.org/presentationml/2006/main">
+  <p:cSld>
+    <p:bg>
+      <p:bgPr>
+        <a:solidFill>
+          <a:schemeClr val="bg1"/>
+        </a:solidFill>
+        <a:effectLst/>
+      </p:bgPr>
+    </p:bg>
+    <p:spTree>
+      <p:nvGrpSpPr>
+        <p:cNvPr id="1" name=""/>
+        <p:cNvGrpSpPr/>
+        <p:nvPr/>
+      </p:nvGrpSpPr>
+      <p:grpSpPr>
+        <a:xfrm>
+          <a:off x="0" y="0"/>
+          <a:ext cx="0" cy="0"/>
+          <a:chOff x="0" y="0"/>
+          <a:chExt cx="0" cy="0"/>
+        </a:xfrm>
+      </p:grpSpPr>
+      <p:sp>
+        <p:nvSpPr>
+          <p:cNvPr id="18" name="Rectangle 17">
+            <a:extLst>
+              <a:ext uri="{FF2B5EF4-FFF2-40B4-BE49-F238E27FC236}">
+                <a16:creationId xmlns:a16="http://schemas.microsoft.com/office/drawing/2014/main" id="{5C821777-3A3B-437E-B5C1-FBC7B0F48C56}"/>
+              </a:ext>
+              <a:ext uri="{C183D7F6-B498-43B3-948B-1728B52AA6E4}">
+                <adec:decorative xmlns:adec="http://schemas.microsoft.com/office/drawing/2017/decorative" val="1"/>
+              </a:ext>
+            </a:extLst>
+          </p:cNvPr>
+          <p:cNvSpPr>
+            <a:spLocks noGrp="1" noRot="1" noChangeAspect="1" noMove="1" noResize="1" noEditPoints="1" noAdjustHandles="1" noChangeArrowheads="1" noChangeShapeType="1" noTextEdit="1"/>
+          </p:cNvSpPr>
+          <p:nvPr>
+            <p:extLst>
+              <p:ext uri="{386F3935-93C4-4BCD-93E2-E3B085C9AB24}">
+                <p16:designElem xmlns:p16="http://schemas.microsoft.com/office/powerpoint/2015/main" val="1"/>
+              </p:ext>
+            </p:extLst>
+          </p:nvPr>
+        </p:nvSpPr>
+        <p:spPr>
+          <a:xfrm>
+            <a:off x="0" y="0"/>
+            <a:ext cx="12192000" cy="6858000"/>
+          </a:xfrm>
+          <a:prstGeom prst="rect">
+            <a:avLst/>
+          </a:prstGeom>
+          <a:ln>
+            <a:noFill/>
+          </a:ln>
+        </p:spPr>
+        <p:style>
+          <a:lnRef idx="2">
+            <a:schemeClr val="accent1">
+              <a:shade val="50000"/>
+            </a:schemeClr>
+          </a:lnRef>
+          <a:fillRef idx="1003">
+            <a:schemeClr val="dk2"/>
+          </a:fillRef>
+          <a:effectRef idx="0">
+            <a:schemeClr val="accent1"/>
+          </a:effectRef>
+          <a:fontRef idx="minor">
+            <a:schemeClr val="lt1"/>
+          </a:fontRef>
+        </p:style>
+        <p:txBody>
+          <a:bodyPr rtlCol="0" anchor="ctr"/>
+          <a:lstStyle/>
+          <a:p>
+            <a:pPr algn="ctr"/>
+            <a:endParaRPr lang="en-US"/>
+          </a:p>
+        </p:txBody>
+      </p:sp>
+      <p:sp>
+        <p:nvSpPr>
+          <p:cNvPr id="3" name="Title 2">
+            <a:extLst>
+              <a:ext uri="{FF2B5EF4-FFF2-40B4-BE49-F238E27FC236}">
+                <a16:creationId xmlns:a16="http://schemas.microsoft.com/office/drawing/2014/main" id="{EEF125C3-99F8-5ABF-1328-0370F112121B}"/>
+              </a:ext>
+            </a:extLst>
+          </p:cNvPr>
+          <p:cNvSpPr>
+            <a:spLocks noGrp="1"/>
+          </p:cNvSpPr>
+          <p:nvPr>
+            <p:ph type="title"/>
+          </p:nvPr>
+        </p:nvSpPr>
+        <p:spPr>
+          <a:xfrm>
+            <a:off x="7820457" y="1243247"/>
+            <a:ext cx="3999635" cy="3495674"/>
+          </a:xfrm>
+        </p:spPr>
+        <p:txBody>
+          <a:bodyPr vert="horz" lIns="91440" tIns="45720" rIns="91440" bIns="45720" rtlCol="0" anchor="b">
+            <a:normAutofit/>
+          </a:bodyPr>
+          <a:lstStyle/>
+          <a:p>
+            <a:pPr algn="ctr"/>
+            <a:r>
+              <a:rPr lang="en-US" sz="2500" dirty="0">
+                <a:solidFill>
+                  <a:srgbClr val="FFFFFF"/>
+                </a:solidFill>
+              </a:rPr>
+              <a:t>Throughout the Years an Advanced Education has always correlated with an increase in Wages</a:t>
+            </a:r>
+          </a:p>
+        </p:txBody>
+      </p:sp>
+      <p:sp>
+        <p:nvSpPr>
+          <p:cNvPr id="20" name="Rectangle 19">
+            <a:extLst>
+              <a:ext uri="{FF2B5EF4-FFF2-40B4-BE49-F238E27FC236}">
+                <a16:creationId xmlns:a16="http://schemas.microsoft.com/office/drawing/2014/main" id="{A31AD40C-CE73-4162-8681-421B8AF943A2}"/>
+              </a:ext>
+              <a:ext uri="{C183D7F6-B498-43B3-948B-1728B52AA6E4}">
+                <adec:decorative xmlns:adec="http://schemas.microsoft.com/office/drawing/2017/decorative" val="1"/>
+              </a:ext>
+            </a:extLst>
+          </p:cNvPr>
+          <p:cNvSpPr>
+            <a:spLocks noGrp="1" noRot="1" noChangeAspect="1" noMove="1" noResize="1" noEditPoints="1" noAdjustHandles="1" noChangeArrowheads="1" noChangeShapeType="1" noTextEdit="1"/>
+          </p:cNvSpPr>
+          <p:nvPr>
+            <p:extLst>
+              <p:ext uri="{386F3935-93C4-4BCD-93E2-E3B085C9AB24}">
+                <p16:designElem xmlns:p16="http://schemas.microsoft.com/office/powerpoint/2015/main" val="1"/>
+              </p:ext>
+            </p:extLst>
+          </p:nvPr>
+        </p:nvSpPr>
+        <p:spPr>
+          <a:xfrm>
+            <a:off x="752475" y="733425"/>
+            <a:ext cx="6696075" cy="5391150"/>
+          </a:xfrm>
+          <a:prstGeom prst="rect">
+            <a:avLst/>
+          </a:prstGeom>
+          <a:solidFill>
+            <a:schemeClr val="bg1"/>
+          </a:solidFill>
+          <a:ln w="190500" cap="sq">
+            <a:solidFill>
+              <a:schemeClr val="bg1"/>
+            </a:solidFill>
+            <a:miter lim="800000"/>
+          </a:ln>
+          <a:effectLst>
+            <a:outerShdw blurRad="54991" dist="17780" dir="5400000" algn="ctr" rotWithShape="0">
+              <a:schemeClr val="bg1">
+                <a:alpha val="40000"/>
+              </a:schemeClr>
+            </a:outerShdw>
+          </a:effectLst>
+          <a:scene3d>
+            <a:camera prst="orthographicFront"/>
+            <a:lightRig rig="twoPt" dir="t">
+              <a:rot lat="0" lon="0" rev="7200000"/>
+            </a:lightRig>
+          </a:scene3d>
+          <a:sp3d>
+            <a:bevelT w="25400" h="19050"/>
+          </a:sp3d>
+        </p:spPr>
+        <p:style>
+          <a:lnRef idx="2">
+            <a:schemeClr val="accent1">
+              <a:shade val="50000"/>
+            </a:schemeClr>
+          </a:lnRef>
+          <a:fillRef idx="1">
+            <a:schemeClr val="accent1"/>
+          </a:fillRef>
+          <a:effectRef idx="0">
+            <a:schemeClr val="accent1"/>
+          </a:effectRef>
+          <a:fontRef idx="minor">
+            <a:schemeClr val="lt1"/>
+          </a:fontRef>
+        </p:style>
+        <p:txBody>
+          <a:bodyPr rtlCol="0" anchor="ctr"/>
+          <a:lstStyle/>
+          <a:p>
+            <a:pPr algn="ctr"/>
+            <a:endParaRPr lang="en-US"/>
+          </a:p>
+        </p:txBody>
+      </p:sp>
+      <p:pic>
+        <p:nvPicPr>
+          <p:cNvPr id="7" name="Picture 6" descr="A graph of growth and progress&#10;&#10;Description automatically generated with medium confidence">
+            <a:extLst>
+              <a:ext uri="{FF2B5EF4-FFF2-40B4-BE49-F238E27FC236}">
+                <a16:creationId xmlns:a16="http://schemas.microsoft.com/office/drawing/2014/main" id="{5368A400-9122-B774-3744-409A2FA836E1}"/>
+              </a:ext>
+            </a:extLst>
+          </p:cNvPr>
+          <p:cNvPicPr>
+            <a:picLocks noChangeAspect="1"/>
+          </p:cNvPicPr>
+          <p:nvPr/>
+        </p:nvPicPr>
+        <p:blipFill>
+          <a:blip r:embed="rId3"/>
+          <a:stretch>
+            <a:fillRect/>
+          </a:stretch>
+        </p:blipFill>
+        <p:spPr>
+          <a:xfrm>
+            <a:off x="752475" y="1779247"/>
+            <a:ext cx="6768219" cy="3299506"/>
+          </a:xfrm>
+          <a:prstGeom prst="rect">
+            <a:avLst/>
+          </a:prstGeom>
+        </p:spPr>
+      </p:pic>
+      <p:sp>
+        <p:nvSpPr>
+          <p:cNvPr id="22" name="Rectangle 21">
+            <a:extLst>
+              <a:ext uri="{FF2B5EF4-FFF2-40B4-BE49-F238E27FC236}">
+                <a16:creationId xmlns:a16="http://schemas.microsoft.com/office/drawing/2014/main" id="{707A3B9D-B1BA-4989-A535-1A6D8D402CC6}"/>
+              </a:ext>
+              <a:ext uri="{C183D7F6-B498-43B3-948B-1728B52AA6E4}">
+                <adec:decorative xmlns:adec="http://schemas.microsoft.com/office/drawing/2017/decorative" val="1"/>
+              </a:ext>
+            </a:extLst>
+          </p:cNvPr>
+          <p:cNvSpPr>
+            <a:spLocks noGrp="1" noRot="1" noChangeAspect="1" noMove="1" noResize="1" noEditPoints="1" noAdjustHandles="1" noChangeArrowheads="1" noChangeShapeType="1" noTextEdit="1"/>
+          </p:cNvSpPr>
+          <p:nvPr>
+            <p:extLst>
+              <p:ext uri="{386F3935-93C4-4BCD-93E2-E3B085C9AB24}">
+                <p16:designElem xmlns:p16="http://schemas.microsoft.com/office/powerpoint/2015/main" val="1"/>
+              </p:ext>
+            </p:extLst>
+          </p:nvPr>
+        </p:nvSpPr>
+        <p:spPr>
+          <a:xfrm>
+            <a:off x="817654" y="799817"/>
+            <a:ext cx="6565717" cy="5258367"/>
+          </a:xfrm>
+          <a:prstGeom prst="rect">
+            <a:avLst/>
+          </a:prstGeom>
+          <a:noFill/>
+          <a:ln w="12700">
+            <a:solidFill>
+              <a:srgbClr val="2A5B7F"/>
+            </a:solidFill>
+          </a:ln>
+        </p:spPr>
+        <p:style>
+          <a:lnRef idx="2">
+            <a:schemeClr val="accent1">
+              <a:shade val="50000"/>
+            </a:schemeClr>
+          </a:lnRef>
+          <a:fillRef idx="1">
+            <a:schemeClr val="accent1"/>
+          </a:fillRef>
+          <a:effectRef idx="0">
+            <a:schemeClr val="accent1"/>
+          </a:effectRef>
+          <a:fontRef idx="minor">
+            <a:schemeClr val="lt1"/>
+          </a:fontRef>
+        </p:style>
+        <p:txBody>
+          <a:bodyPr rtlCol="0" anchor="ctr"/>
+          <a:lstStyle/>
+          <a:p>
+            <a:pPr algn="ctr"/>
+            <a:endParaRPr lang="en-US"/>
+          </a:p>
+        </p:txBody>
+      </p:sp>
+      <p:sp>
+        <p:nvSpPr>
+          <p:cNvPr id="4" name="Slide Number Placeholder 3">
+            <a:extLst>
+              <a:ext uri="{FF2B5EF4-FFF2-40B4-BE49-F238E27FC236}">
+                <a16:creationId xmlns:a16="http://schemas.microsoft.com/office/drawing/2014/main" id="{48EA189C-8A41-5C63-2470-06541519CBCD}"/>
+              </a:ext>
+            </a:extLst>
+          </p:cNvPr>
+          <p:cNvSpPr>
+            <a:spLocks noGrp="1"/>
+          </p:cNvSpPr>
+          <p:nvPr>
+            <p:ph type="sldNum" sz="quarter" idx="12"/>
+          </p:nvPr>
+        </p:nvSpPr>
+        <p:spPr>
+          <a:xfrm>
+            <a:off x="10514011" y="6309360"/>
+            <a:ext cx="753545" cy="365125"/>
+          </a:xfrm>
+        </p:spPr>
+        <p:txBody>
+          <a:bodyPr vert="horz" lIns="91440" tIns="45720" rIns="91440" bIns="45720" rtlCol="0" anchor="ctr">
+            <a:normAutofit/>
+          </a:bodyPr>
+          <a:lstStyle/>
+          <a:p>
+            <a:pPr defTabSz="914400">
+              <a:spcAft>
+                <a:spcPts val="600"/>
+              </a:spcAft>
+            </a:pPr>
+            <a:fld id="{FE024F78-56A6-7740-B68D-8D4D026EDF3F}" type="slidenum">
+              <a:rPr lang="en-US" sz="1000">
+                <a:solidFill>
+                  <a:srgbClr val="FFFFFF"/>
+                </a:solidFill>
+              </a:rPr>
+              <a:pPr defTabSz="914400">
+                <a:spcAft>
+                  <a:spcPts val="600"/>
+                </a:spcAft>
+              </a:pPr>
+              <a:t>14</a:t>
+            </a:fld>
+            <a:endParaRPr lang="en-US" sz="1000">
+              <a:solidFill>
+                <a:srgbClr val="FFFFFF"/>
+              </a:solidFill>
+            </a:endParaRPr>
+          </a:p>
+        </p:txBody>
+      </p:sp>
     </p:spTree>
     <p:extLst>
       <p:ext uri="{BB962C8B-B14F-4D97-AF65-F5344CB8AC3E}">
@@ -11545,7 +13569,7 @@
 </p:sld>
 </file>
 
-<file path=ppt/slides/slide11.xml><?xml version="1.0" encoding="utf-8"?>
+<file path=ppt/slides/slide15.xml><?xml version="1.0" encoding="utf-8"?>
 <p:sld xmlns:a="http://schemas.openxmlformats.org/drawingml/2006/main" xmlns:r="http://schemas.openxmlformats.org/officeDocument/2006/relationships" xmlns:p="http://schemas.openxmlformats.org/presentationml/2006/main" showMasterSp="0">
   <p:cSld>
     <p:bg>
@@ -11740,7 +13764,7 @@
             <a:fld id="{FE024F78-56A6-7740-B68D-8D4D026EDF3F}" type="slidenum">
               <a:rPr lang="en-US" smtClean="0"/>
               <a:pPr/>
-              <a:t>11</a:t>
+              <a:t>15</a:t>
             </a:fld>
             <a:endParaRPr lang="en-US" dirty="0"/>
           </a:p>
@@ -11789,7 +13813,7 @@
 </p:sld>
 </file>
 
-<file path=ppt/slides/slide12.xml><?xml version="1.0" encoding="utf-8"?>
+<file path=ppt/slides/slide16.xml><?xml version="1.0" encoding="utf-8"?>
 <p:sld xmlns:a="http://schemas.openxmlformats.org/drawingml/2006/main" xmlns:r="http://schemas.openxmlformats.org/officeDocument/2006/relationships" xmlns:p="http://schemas.openxmlformats.org/presentationml/2006/main" showMasterSp="0">
   <p:cSld>
     <p:bg>
@@ -11999,7 +14023,7 @@
             <a:fld id="{FE024F78-56A6-7740-B68D-8D4D026EDF3F}" type="slidenum">
               <a:rPr lang="en-US" smtClean="0"/>
               <a:pPr/>
-              <a:t>12</a:t>
+              <a:t>16</a:t>
             </a:fld>
             <a:endParaRPr lang="en-US" dirty="0"/>
           </a:p>
@@ -12039,6 +14063,102 @@
     <p:extLst>
       <p:ext uri="{BB962C8B-B14F-4D97-AF65-F5344CB8AC3E}">
         <p14:creationId xmlns:p14="http://schemas.microsoft.com/office/powerpoint/2010/main" val="4136535314"/>
+      </p:ext>
+    </p:extLst>
+  </p:cSld>
+  <p:clrMapOvr>
+    <a:masterClrMapping/>
+  </p:clrMapOvr>
+</p:sld>
+</file>
+
+<file path=ppt/slides/slide17.xml><?xml version="1.0" encoding="utf-8"?>
+<p:sld xmlns:a="http://schemas.openxmlformats.org/drawingml/2006/main" xmlns:r="http://schemas.openxmlformats.org/officeDocument/2006/relationships" xmlns:p="http://schemas.openxmlformats.org/presentationml/2006/main">
+  <p:cSld>
+    <p:spTree>
+      <p:nvGrpSpPr>
+        <p:cNvPr id="1" name=""/>
+        <p:cNvGrpSpPr/>
+        <p:nvPr/>
+      </p:nvGrpSpPr>
+      <p:grpSpPr>
+        <a:xfrm>
+          <a:off x="0" y="0"/>
+          <a:ext cx="0" cy="0"/>
+          <a:chOff x="0" y="0"/>
+          <a:chExt cx="0" cy="0"/>
+        </a:xfrm>
+      </p:grpSpPr>
+      <p:sp>
+        <p:nvSpPr>
+          <p:cNvPr id="2" name="Slide Number Placeholder 1">
+            <a:extLst>
+              <a:ext uri="{FF2B5EF4-FFF2-40B4-BE49-F238E27FC236}">
+                <a16:creationId xmlns:a16="http://schemas.microsoft.com/office/drawing/2014/main" id="{539DDC6A-BC98-5DEB-028A-40D3D3F37F50}"/>
+              </a:ext>
+            </a:extLst>
+          </p:cNvPr>
+          <p:cNvSpPr>
+            <a:spLocks noGrp="1"/>
+          </p:cNvSpPr>
+          <p:nvPr>
+            <p:ph type="sldNum" sz="quarter" idx="12"/>
+          </p:nvPr>
+        </p:nvSpPr>
+        <p:spPr/>
+        <p:txBody>
+          <a:bodyPr/>
+          <a:lstStyle/>
+          <a:p>
+            <a:fld id="{FE024F78-56A6-7740-B68D-8D4D026EDF3F}" type="slidenum">
+              <a:rPr lang="en-US" smtClean="0"/>
+              <a:pPr/>
+              <a:t>17</a:t>
+            </a:fld>
+            <a:endParaRPr lang="en-US" dirty="0"/>
+          </a:p>
+        </p:txBody>
+      </p:sp>
+      <p:sp>
+        <p:nvSpPr>
+          <p:cNvPr id="3" name="TextBox 2">
+            <a:extLst>
+              <a:ext uri="{FF2B5EF4-FFF2-40B4-BE49-F238E27FC236}">
+                <a16:creationId xmlns:a16="http://schemas.microsoft.com/office/drawing/2014/main" id="{3003C1C8-8C51-5040-14E5-6E6765AB46A2}"/>
+              </a:ext>
+            </a:extLst>
+          </p:cNvPr>
+          <p:cNvSpPr txBox="1"/>
+          <p:nvPr/>
+        </p:nvSpPr>
+        <p:spPr>
+          <a:xfrm>
+            <a:off x="3115734" y="2777067"/>
+            <a:ext cx="6287911" cy="923330"/>
+          </a:xfrm>
+          <a:prstGeom prst="rect">
+            <a:avLst/>
+          </a:prstGeom>
+          <a:noFill/>
+        </p:spPr>
+        <p:txBody>
+          <a:bodyPr wrap="square" rtlCol="0">
+            <a:spAutoFit/>
+          </a:bodyPr>
+          <a:lstStyle/>
+          <a:p>
+            <a:pPr algn="ctr"/>
+            <a:r>
+              <a:rPr lang="en-US" sz="5400" dirty="0"/>
+              <a:t>Questions</a:t>
+            </a:r>
+          </a:p>
+        </p:txBody>
+      </p:sp>
+    </p:spTree>
+    <p:extLst>
+      <p:ext uri="{BB962C8B-B14F-4D97-AF65-F5344CB8AC3E}">
+        <p14:creationId xmlns:p14="http://schemas.microsoft.com/office/powerpoint/2010/main" val="4174768433"/>
       </p:ext>
     </p:extLst>
   </p:cSld>
@@ -14653,22 +16773,25 @@
         </p:spPr>
         <p:txBody>
           <a:bodyPr vert="horz" lIns="91440" tIns="45720" rIns="91440" bIns="45720" rtlCol="0" anchor="ctr">
-            <a:normAutofit/>
+            <a:normAutofit fontScale="90000"/>
           </a:bodyPr>
           <a:lstStyle/>
           <a:p>
             <a:pPr marL="514350" algn="r">
+              <a:lnSpc>
+                <a:spcPct val="110000"/>
+              </a:lnSpc>
               <a:spcAft>
                 <a:spcPts val="0"/>
               </a:spcAft>
             </a:pPr>
             <a:r>
-              <a:rPr lang="en-US" sz="3000">
+              <a:rPr lang="en-US" dirty="0">
                 <a:solidFill>
                   <a:schemeClr val="tx1"/>
                 </a:solidFill>
               </a:rPr>
-              <a:t>In the last 5 years, for those with an Advanced Degree, is there a difference between the groups based on race?</a:t>
+              <a:t>Does the increase in education affect the increase in hourly wage for both men and women equally?</a:t>
             </a:r>
           </a:p>
         </p:txBody>
@@ -14703,14 +16826,14 @@
           <a:p>
             <a:pPr algn="l"/>
             <a:r>
-              <a:rPr lang="en-US" sz="2400">
+              <a:rPr lang="en-US" sz="2400" dirty="0">
                 <a:solidFill>
                   <a:schemeClr val="tx1"/>
                 </a:solidFill>
                 <a:latin typeface="+mn-lt"/>
                 <a:cs typeface="+mn-cs"/>
               </a:rPr>
-              <a:t>Question 3</a:t>
+              <a:t>Question 2</a:t>
             </a:r>
           </a:p>
         </p:txBody>
@@ -14829,7 +16952,7 @@
     </p:spTree>
     <p:extLst>
       <p:ext uri="{BB962C8B-B14F-4D97-AF65-F5344CB8AC3E}">
-        <p14:creationId xmlns:p14="http://schemas.microsoft.com/office/powerpoint/2010/main" val="349162578"/>
+        <p14:creationId xmlns:p14="http://schemas.microsoft.com/office/powerpoint/2010/main" val="3997482046"/>
       </p:ext>
     </p:extLst>
   </p:cSld>
@@ -15825,15 +17948,6 @@
 </file>
 
 <file path=customXml/item1.xml><?xml version="1.0" encoding="utf-8"?>
-<?mso-contentType ?>
-<FormTemplates xmlns="http://schemas.microsoft.com/sharepoint/v3/contenttype/forms">
-  <Display>DocumentLibraryForm</Display>
-  <Edit>DocumentLibraryForm</Edit>
-  <New>DocumentLibraryForm</New>
-</FormTemplates>
-</file>
-
-<file path=customXml/item2.xml><?xml version="1.0" encoding="utf-8"?>
 <p:properties xmlns:p="http://schemas.microsoft.com/office/2006/metadata/properties" xmlns:xsi="http://www.w3.org/2001/XMLSchema-instance" xmlns:pc="http://schemas.microsoft.com/office/infopath/2007/PartnerControls">
   <documentManagement>
     <_ip_UnifiedCompliancePolicyUIAction xmlns="http://schemas.microsoft.com/sharepoint/v3" xsi:nil="true"/>
@@ -15851,6 +17965,15 @@
     <MediaServiceKeyPoints xmlns="71af3243-3dd4-4a8d-8c0d-dd76da1f02a5" xsi:nil="true"/>
   </documentManagement>
 </p:properties>
+</file>
+
+<file path=customXml/item2.xml><?xml version="1.0" encoding="utf-8"?>
+<?mso-contentType ?>
+<FormTemplates xmlns="http://schemas.microsoft.com/sharepoint/v3/contenttype/forms">
+  <Display>DocumentLibraryForm</Display>
+  <Edit>DocumentLibraryForm</Edit>
+  <New>DocumentLibraryForm</New>
+</FormTemplates>
 </file>
 
 <file path=customXml/item3.xml><?xml version="1.0" encoding="utf-8"?>
@@ -16166,14 +18289,6 @@
 </file>
 
 <file path=customXml/itemProps1.xml><?xml version="1.0" encoding="utf-8"?>
-<ds:datastoreItem xmlns:ds="http://schemas.openxmlformats.org/officeDocument/2006/customXml" ds:itemID="{44137456-21FC-4AE2-8A94-BF06CAF2EB9B}">
-  <ds:schemaRefs>
-    <ds:schemaRef ds:uri="http://schemas.microsoft.com/sharepoint/v3/contenttype/forms"/>
-  </ds:schemaRefs>
-</ds:datastoreItem>
-</file>
-
-<file path=customXml/itemProps2.xml><?xml version="1.0" encoding="utf-8"?>
 <ds:datastoreItem xmlns:ds="http://schemas.openxmlformats.org/officeDocument/2006/customXml" ds:itemID="{E305301E-11B3-4B9D-A588-21F3C9809371}">
   <ds:schemaRefs>
     <ds:schemaRef ds:uri="http://schemas.microsoft.com/office/2006/metadata/properties"/>
@@ -16181,6 +18296,14 @@
     <ds:schemaRef ds:uri="http://schemas.microsoft.com/sharepoint/v3"/>
     <ds:schemaRef ds:uri="71af3243-3dd4-4a8d-8c0d-dd76da1f02a5"/>
     <ds:schemaRef ds:uri="230e9df3-be65-4c73-a93b-d1236ebd677e"/>
+  </ds:schemaRefs>
+</ds:datastoreItem>
+</file>
+
+<file path=customXml/itemProps2.xml><?xml version="1.0" encoding="utf-8"?>
+<ds:datastoreItem xmlns:ds="http://schemas.openxmlformats.org/officeDocument/2006/customXml" ds:itemID="{44137456-21FC-4AE2-8A94-BF06CAF2EB9B}">
+  <ds:schemaRefs>
+    <ds:schemaRef ds:uri="http://schemas.microsoft.com/sharepoint/v3/contenttype/forms"/>
   </ds:schemaRefs>
 </ds:datastoreItem>
 </file>
